--- a/extra/intro.pptx
+++ b/extra/intro.pptx
@@ -9,20 +9,19 @@
     <p:sldId id="281" r:id="rId3"/>
     <p:sldId id="288" r:id="rId4"/>
     <p:sldId id="300" r:id="rId5"/>
-    <p:sldId id="293" r:id="rId6"/>
-    <p:sldId id="307" r:id="rId7"/>
-    <p:sldId id="308" r:id="rId8"/>
-    <p:sldId id="309" r:id="rId9"/>
-    <p:sldId id="310" r:id="rId10"/>
-    <p:sldId id="305" r:id="rId11"/>
-    <p:sldId id="306" r:id="rId12"/>
-    <p:sldId id="283" r:id="rId13"/>
-    <p:sldId id="257" r:id="rId14"/>
-    <p:sldId id="258" r:id="rId15"/>
-    <p:sldId id="286" r:id="rId16"/>
-    <p:sldId id="287" r:id="rId17"/>
-    <p:sldId id="261" r:id="rId18"/>
-    <p:sldId id="262" r:id="rId19"/>
+    <p:sldId id="308" r:id="rId6"/>
+    <p:sldId id="309" r:id="rId7"/>
+    <p:sldId id="293" r:id="rId8"/>
+    <p:sldId id="310" r:id="rId9"/>
+    <p:sldId id="305" r:id="rId10"/>
+    <p:sldId id="306" r:id="rId11"/>
+    <p:sldId id="283" r:id="rId12"/>
+    <p:sldId id="257" r:id="rId13"/>
+    <p:sldId id="258" r:id="rId14"/>
+    <p:sldId id="286" r:id="rId15"/>
+    <p:sldId id="287" r:id="rId16"/>
+    <p:sldId id="261" r:id="rId17"/>
+    <p:sldId id="262" r:id="rId18"/>
   </p:sldIdLst>
   <p:sldSz cx="12192000" cy="6858000"/>
   <p:notesSz cx="6858000" cy="9144000"/>
@@ -276,7 +275,7 @@
           <a:p>
             <a:fld id="{7B9169B0-A344-9A43-AAD5-682508993835}" type="datetimeFigureOut">
               <a:rPr lang="fr-FR" smtClean="0"/>
-              <a:t>28/12/2023</a:t>
+              <a:t>05/01/2024</a:t>
             </a:fld>
             <a:endParaRPr lang="fr-FR"/>
           </a:p>
@@ -474,7 +473,7 @@
           <a:p>
             <a:fld id="{7B9169B0-A344-9A43-AAD5-682508993835}" type="datetimeFigureOut">
               <a:rPr lang="fr-FR" smtClean="0"/>
-              <a:t>28/12/2023</a:t>
+              <a:t>05/01/2024</a:t>
             </a:fld>
             <a:endParaRPr lang="fr-FR"/>
           </a:p>
@@ -682,7 +681,7 @@
           <a:p>
             <a:fld id="{7B9169B0-A344-9A43-AAD5-682508993835}" type="datetimeFigureOut">
               <a:rPr lang="fr-FR" smtClean="0"/>
-              <a:t>28/12/2023</a:t>
+              <a:t>05/01/2024</a:t>
             </a:fld>
             <a:endParaRPr lang="fr-FR"/>
           </a:p>
@@ -880,7 +879,7 @@
           <a:p>
             <a:fld id="{7B9169B0-A344-9A43-AAD5-682508993835}" type="datetimeFigureOut">
               <a:rPr lang="fr-FR" smtClean="0"/>
-              <a:t>28/12/2023</a:t>
+              <a:t>05/01/2024</a:t>
             </a:fld>
             <a:endParaRPr lang="fr-FR"/>
           </a:p>
@@ -1155,7 +1154,7 @@
           <a:p>
             <a:fld id="{7B9169B0-A344-9A43-AAD5-682508993835}" type="datetimeFigureOut">
               <a:rPr lang="fr-FR" smtClean="0"/>
-              <a:t>28/12/2023</a:t>
+              <a:t>05/01/2024</a:t>
             </a:fld>
             <a:endParaRPr lang="fr-FR"/>
           </a:p>
@@ -1420,7 +1419,7 @@
           <a:p>
             <a:fld id="{7B9169B0-A344-9A43-AAD5-682508993835}" type="datetimeFigureOut">
               <a:rPr lang="fr-FR" smtClean="0"/>
-              <a:t>28/12/2023</a:t>
+              <a:t>05/01/2024</a:t>
             </a:fld>
             <a:endParaRPr lang="fr-FR"/>
           </a:p>
@@ -1832,7 +1831,7 @@
           <a:p>
             <a:fld id="{7B9169B0-A344-9A43-AAD5-682508993835}" type="datetimeFigureOut">
               <a:rPr lang="fr-FR" smtClean="0"/>
-              <a:t>28/12/2023</a:t>
+              <a:t>05/01/2024</a:t>
             </a:fld>
             <a:endParaRPr lang="fr-FR"/>
           </a:p>
@@ -1973,7 +1972,7 @@
           <a:p>
             <a:fld id="{7B9169B0-A344-9A43-AAD5-682508993835}" type="datetimeFigureOut">
               <a:rPr lang="fr-FR" smtClean="0"/>
-              <a:t>28/12/2023</a:t>
+              <a:t>05/01/2024</a:t>
             </a:fld>
             <a:endParaRPr lang="fr-FR"/>
           </a:p>
@@ -2086,7 +2085,7 @@
           <a:p>
             <a:fld id="{7B9169B0-A344-9A43-AAD5-682508993835}" type="datetimeFigureOut">
               <a:rPr lang="fr-FR" smtClean="0"/>
-              <a:t>28/12/2023</a:t>
+              <a:t>05/01/2024</a:t>
             </a:fld>
             <a:endParaRPr lang="fr-FR"/>
           </a:p>
@@ -2397,7 +2396,7 @@
           <a:p>
             <a:fld id="{7B9169B0-A344-9A43-AAD5-682508993835}" type="datetimeFigureOut">
               <a:rPr lang="fr-FR" smtClean="0"/>
-              <a:t>28/12/2023</a:t>
+              <a:t>05/01/2024</a:t>
             </a:fld>
             <a:endParaRPr lang="fr-FR"/>
           </a:p>
@@ -2685,7 +2684,7 @@
           <a:p>
             <a:fld id="{7B9169B0-A344-9A43-AAD5-682508993835}" type="datetimeFigureOut">
               <a:rPr lang="fr-FR" smtClean="0"/>
-              <a:t>28/12/2023</a:t>
+              <a:t>05/01/2024</a:t>
             </a:fld>
             <a:endParaRPr lang="fr-FR"/>
           </a:p>
@@ -2926,7 +2925,7 @@
           <a:p>
             <a:fld id="{7B9169B0-A344-9A43-AAD5-682508993835}" type="datetimeFigureOut">
               <a:rPr lang="fr-FR" smtClean="0"/>
-              <a:t>28/12/2023</a:t>
+              <a:t>05/01/2024</a:t>
             </a:fld>
             <a:endParaRPr lang="fr-FR"/>
           </a:p>
@@ -3539,6 +3538,42 @@
           <a:chExt cx="0" cy="0"/>
         </a:xfrm>
       </p:grpSpPr>
+      <p:sp>
+        <p:nvSpPr>
+          <p:cNvPr id="72" name="ZoneTexte 71">
+            <a:extLst>
+              <a:ext uri="{FF2B5EF4-FFF2-40B4-BE49-F238E27FC236}">
+                <a16:creationId xmlns:a16="http://schemas.microsoft.com/office/drawing/2014/main" id="{3890A706-5F2B-E84E-A26A-A267907CC130}"/>
+              </a:ext>
+            </a:extLst>
+          </p:cNvPr>
+          <p:cNvSpPr txBox="1"/>
+          <p:nvPr/>
+        </p:nvSpPr>
+        <p:spPr>
+          <a:xfrm>
+            <a:off x="2412449" y="187151"/>
+            <a:ext cx="7367101" cy="830997"/>
+          </a:xfrm>
+          <a:prstGeom prst="rect">
+            <a:avLst/>
+          </a:prstGeom>
+          <a:noFill/>
+        </p:spPr>
+        <p:txBody>
+          <a:bodyPr wrap="square" rtlCol="0">
+            <a:spAutoFit/>
+          </a:bodyPr>
+          <a:lstStyle/>
+          <a:p>
+            <a:pPr algn="ctr"/>
+            <a:r>
+              <a:rPr lang="fr-FR" sz="4800" b="1" u="sng" noProof="1"/>
+              <a:t>You</a:t>
+            </a:r>
+          </a:p>
+        </p:txBody>
+      </p:sp>
       <p:pic>
         <p:nvPicPr>
           <p:cNvPr id="1026" name="Picture 2">
@@ -3629,10 +3664,10 @@
       </p:sp>
       <p:sp>
         <p:nvSpPr>
-          <p:cNvPr id="5" name="ZoneTexte 4">
-            <a:extLst>
-              <a:ext uri="{FF2B5EF4-FFF2-40B4-BE49-F238E27FC236}">
-                <a16:creationId xmlns:a16="http://schemas.microsoft.com/office/drawing/2014/main" id="{A9E3DC8F-D084-F246-8B0D-27E465CD52F5}"/>
+          <p:cNvPr id="7" name="ZoneTexte 6">
+            <a:extLst>
+              <a:ext uri="{FF2B5EF4-FFF2-40B4-BE49-F238E27FC236}">
+                <a16:creationId xmlns:a16="http://schemas.microsoft.com/office/drawing/2014/main" id="{FEFA02EE-5087-9E47-B189-2BE78B98886D}"/>
               </a:ext>
             </a:extLst>
           </p:cNvPr>
@@ -3641,8 +3676,8 @@
         </p:nvSpPr>
         <p:spPr>
           <a:xfrm>
-            <a:off x="2164818" y="2830916"/>
-            <a:ext cx="8066110" cy="830997"/>
+            <a:off x="1043835" y="1196777"/>
+            <a:ext cx="10104327" cy="4893647"/>
           </a:xfrm>
           <a:prstGeom prst="rect">
             <a:avLst/>
@@ -3655,10 +3690,155 @@
           </a:bodyPr>
           <a:lstStyle/>
           <a:p>
-            <a:pPr algn="ctr"/>
-            <a:r>
-              <a:rPr lang="fr-FR" sz="4800" b="1" noProof="1"/>
-              <a:t>3. Introductions</a:t>
+            <a:pPr marL="457200" indent="-457200">
+              <a:buFont typeface="Wingdings" pitchFamily="2" charset="2"/>
+              <a:buChar char="§"/>
+            </a:pPr>
+            <a:r>
+              <a:rPr lang="en-US" sz="2400" b="1" dirty="0">
+                <a:solidFill>
+                  <a:schemeClr val="accent1">
+                    <a:lumMod val="75000"/>
+                  </a:schemeClr>
+                </a:solidFill>
+              </a:rPr>
+              <a:t>How does your name show up in </a:t>
+            </a:r>
+            <a:r>
+              <a:rPr lang="en-US" sz="2400" b="1" dirty="0" err="1">
+                <a:solidFill>
+                  <a:schemeClr val="accent1">
+                    <a:lumMod val="75000"/>
+                  </a:schemeClr>
+                </a:solidFill>
+              </a:rPr>
+              <a:t>BannerWeb</a:t>
+            </a:r>
+            <a:r>
+              <a:rPr lang="en-US" sz="2400" b="1" dirty="0">
+                <a:solidFill>
+                  <a:schemeClr val="accent1">
+                    <a:lumMod val="75000"/>
+                  </a:schemeClr>
+                </a:solidFill>
+              </a:rPr>
+              <a:t>? Do you have a different preferred name? Is there anything else I should know about the pronunciation of your name or your preferred pronouns?</a:t>
+            </a:r>
+          </a:p>
+          <a:p>
+            <a:pPr marL="457200" indent="-457200">
+              <a:buFont typeface="Wingdings" pitchFamily="2" charset="2"/>
+              <a:buChar char="§"/>
+            </a:pPr>
+            <a:endParaRPr lang="en-US" sz="2400" b="1" dirty="0">
+              <a:solidFill>
+                <a:schemeClr val="accent1">
+                  <a:lumMod val="75000"/>
+                </a:schemeClr>
+              </a:solidFill>
+            </a:endParaRPr>
+          </a:p>
+          <a:p>
+            <a:pPr marL="457200" indent="-457200">
+              <a:buFont typeface="Wingdings" pitchFamily="2" charset="2"/>
+              <a:buChar char="§"/>
+            </a:pPr>
+            <a:r>
+              <a:rPr lang="en-US" sz="2400" b="1" dirty="0">
+                <a:solidFill>
+                  <a:schemeClr val="accent1">
+                    <a:lumMod val="75000"/>
+                  </a:schemeClr>
+                </a:solidFill>
+              </a:rPr>
+              <a:t>Please give a brief 2-3 sentence introduction.</a:t>
+            </a:r>
+          </a:p>
+          <a:p>
+            <a:pPr marL="457200" indent="-457200">
+              <a:buFont typeface="Wingdings" pitchFamily="2" charset="2"/>
+              <a:buChar char="§"/>
+            </a:pPr>
+            <a:endParaRPr lang="en-US" sz="2400" b="1" dirty="0">
+              <a:solidFill>
+                <a:schemeClr val="accent1">
+                  <a:lumMod val="75000"/>
+                </a:schemeClr>
+              </a:solidFill>
+            </a:endParaRPr>
+          </a:p>
+          <a:p>
+            <a:pPr marL="457200" indent="-457200">
+              <a:buFont typeface="Wingdings" pitchFamily="2" charset="2"/>
+              <a:buChar char="§"/>
+            </a:pPr>
+            <a:r>
+              <a:rPr lang="en-US" sz="2400" b="1" dirty="0">
+                <a:solidFill>
+                  <a:schemeClr val="accent1">
+                    <a:lumMod val="75000"/>
+                  </a:schemeClr>
+                </a:solidFill>
+              </a:rPr>
+              <a:t>What other statistics or data sciences courses have you taken at UR?</a:t>
+            </a:r>
+          </a:p>
+          <a:p>
+            <a:pPr marL="457200" indent="-457200">
+              <a:buFont typeface="Wingdings" pitchFamily="2" charset="2"/>
+              <a:buChar char="§"/>
+            </a:pPr>
+            <a:endParaRPr lang="en-US" sz="2400" b="1" dirty="0">
+              <a:solidFill>
+                <a:schemeClr val="accent1">
+                  <a:lumMod val="75000"/>
+                </a:schemeClr>
+              </a:solidFill>
+            </a:endParaRPr>
+          </a:p>
+          <a:p>
+            <a:pPr marL="457200" indent="-457200">
+              <a:buFont typeface="Wingdings" pitchFamily="2" charset="2"/>
+              <a:buChar char="§"/>
+            </a:pPr>
+            <a:r>
+              <a:rPr lang="en-US" sz="2400" b="1" dirty="0">
+                <a:solidFill>
+                  <a:schemeClr val="accent1">
+                    <a:lumMod val="75000"/>
+                  </a:schemeClr>
+                </a:solidFill>
+              </a:rPr>
+              <a:t>In one sentence, why are you taking this class?</a:t>
+            </a:r>
+          </a:p>
+          <a:p>
+            <a:pPr marL="457200" indent="-457200">
+              <a:buFont typeface="Wingdings" pitchFamily="2" charset="2"/>
+              <a:buChar char="§"/>
+            </a:pPr>
+            <a:endParaRPr lang="en-US" sz="2400" b="1" dirty="0">
+              <a:solidFill>
+                <a:schemeClr val="accent1">
+                  <a:lumMod val="75000"/>
+                </a:schemeClr>
+              </a:solidFill>
+            </a:endParaRPr>
+          </a:p>
+          <a:p>
+            <a:pPr marL="457200" indent="-457200">
+              <a:buFont typeface="Wingdings" pitchFamily="2" charset="2"/>
+              <a:buChar char="§"/>
+            </a:pPr>
+            <a:r>
+              <a:rPr lang="en-US" sz="2400" b="1" dirty="0">
+                <a:solidFill>
+                  <a:schemeClr val="accent1">
+                    <a:lumMod val="75000"/>
+                  </a:schemeClr>
+                </a:solidFill>
+              </a:rPr>
+              <a:t>Anything else I should know? At a minimum, please let me know if you have a DAN or are involved in any UR sports teams or other official organizations that may cause you to miss class</a:t>
             </a:r>
           </a:p>
         </p:txBody>
@@ -3666,7 +3846,7 @@
     </p:spTree>
     <p:extLst>
       <p:ext uri="{BB962C8B-B14F-4D97-AF65-F5344CB8AC3E}">
-        <p14:creationId xmlns:p14="http://schemas.microsoft.com/office/powerpoint/2010/main" val="1279284152"/>
+        <p14:creationId xmlns:p14="http://schemas.microsoft.com/office/powerpoint/2010/main" val="3373202900"/>
       </p:ext>
     </p:extLst>
   </p:cSld>
@@ -3693,42 +3873,6 @@
           <a:chExt cx="0" cy="0"/>
         </a:xfrm>
       </p:grpSpPr>
-      <p:sp>
-        <p:nvSpPr>
-          <p:cNvPr id="72" name="ZoneTexte 71">
-            <a:extLst>
-              <a:ext uri="{FF2B5EF4-FFF2-40B4-BE49-F238E27FC236}">
-                <a16:creationId xmlns:a16="http://schemas.microsoft.com/office/drawing/2014/main" id="{3890A706-5F2B-E84E-A26A-A267907CC130}"/>
-              </a:ext>
-            </a:extLst>
-          </p:cNvPr>
-          <p:cNvSpPr txBox="1"/>
-          <p:nvPr/>
-        </p:nvSpPr>
-        <p:spPr>
-          <a:xfrm>
-            <a:off x="2412449" y="187151"/>
-            <a:ext cx="7367101" cy="830997"/>
-          </a:xfrm>
-          <a:prstGeom prst="rect">
-            <a:avLst/>
-          </a:prstGeom>
-          <a:noFill/>
-        </p:spPr>
-        <p:txBody>
-          <a:bodyPr wrap="square" rtlCol="0">
-            <a:spAutoFit/>
-          </a:bodyPr>
-          <a:lstStyle/>
-          <a:p>
-            <a:pPr algn="ctr"/>
-            <a:r>
-              <a:rPr lang="fr-FR" sz="4800" b="1" u="sng" noProof="1"/>
-              <a:t>You</a:t>
-            </a:r>
-          </a:p>
-        </p:txBody>
-      </p:sp>
       <p:pic>
         <p:nvPicPr>
           <p:cNvPr id="1026" name="Picture 2">
@@ -3819,10 +3963,10 @@
       </p:sp>
       <p:sp>
         <p:nvSpPr>
-          <p:cNvPr id="7" name="ZoneTexte 6">
-            <a:extLst>
-              <a:ext uri="{FF2B5EF4-FFF2-40B4-BE49-F238E27FC236}">
-                <a16:creationId xmlns:a16="http://schemas.microsoft.com/office/drawing/2014/main" id="{FEFA02EE-5087-9E47-B189-2BE78B98886D}"/>
+          <p:cNvPr id="5" name="ZoneTexte 4">
+            <a:extLst>
+              <a:ext uri="{FF2B5EF4-FFF2-40B4-BE49-F238E27FC236}">
+                <a16:creationId xmlns:a16="http://schemas.microsoft.com/office/drawing/2014/main" id="{A9E3DC8F-D084-F246-8B0D-27E465CD52F5}"/>
               </a:ext>
             </a:extLst>
           </p:cNvPr>
@@ -3831,8 +3975,8 @@
         </p:nvSpPr>
         <p:spPr>
           <a:xfrm>
-            <a:off x="1043835" y="1196777"/>
-            <a:ext cx="10104327" cy="4893647"/>
+            <a:off x="2242456" y="2598003"/>
+            <a:ext cx="7707087" cy="830997"/>
           </a:xfrm>
           <a:prstGeom prst="rect">
             <a:avLst/>
@@ -3845,155 +3989,10 @@
           </a:bodyPr>
           <a:lstStyle/>
           <a:p>
-            <a:pPr marL="457200" indent="-457200">
-              <a:buFont typeface="Wingdings" pitchFamily="2" charset="2"/>
-              <a:buChar char="§"/>
-            </a:pPr>
-            <a:r>
-              <a:rPr lang="en-US" sz="2400" b="1" dirty="0">
-                <a:solidFill>
-                  <a:schemeClr val="accent1">
-                    <a:lumMod val="75000"/>
-                  </a:schemeClr>
-                </a:solidFill>
-              </a:rPr>
-              <a:t>How does your name show up in </a:t>
-            </a:r>
-            <a:r>
-              <a:rPr lang="en-US" sz="2400" b="1" dirty="0" err="1">
-                <a:solidFill>
-                  <a:schemeClr val="accent1">
-                    <a:lumMod val="75000"/>
-                  </a:schemeClr>
-                </a:solidFill>
-              </a:rPr>
-              <a:t>BannerWeb</a:t>
-            </a:r>
-            <a:r>
-              <a:rPr lang="en-US" sz="2400" b="1" dirty="0">
-                <a:solidFill>
-                  <a:schemeClr val="accent1">
-                    <a:lumMod val="75000"/>
-                  </a:schemeClr>
-                </a:solidFill>
-              </a:rPr>
-              <a:t>? Do you have a different preferred name? Is there anything else I should know about the pronunciation of your name or your preferred pronouns?</a:t>
-            </a:r>
-          </a:p>
-          <a:p>
-            <a:pPr marL="457200" indent="-457200">
-              <a:buFont typeface="Wingdings" pitchFamily="2" charset="2"/>
-              <a:buChar char="§"/>
-            </a:pPr>
-            <a:endParaRPr lang="en-US" sz="2400" b="1" dirty="0">
-              <a:solidFill>
-                <a:schemeClr val="accent1">
-                  <a:lumMod val="75000"/>
-                </a:schemeClr>
-              </a:solidFill>
-            </a:endParaRPr>
-          </a:p>
-          <a:p>
-            <a:pPr marL="457200" indent="-457200">
-              <a:buFont typeface="Wingdings" pitchFamily="2" charset="2"/>
-              <a:buChar char="§"/>
-            </a:pPr>
-            <a:r>
-              <a:rPr lang="en-US" sz="2400" b="1" dirty="0">
-                <a:solidFill>
-                  <a:schemeClr val="accent1">
-                    <a:lumMod val="75000"/>
-                  </a:schemeClr>
-                </a:solidFill>
-              </a:rPr>
-              <a:t>Please give a brief 2-3 sentence introduction.</a:t>
-            </a:r>
-          </a:p>
-          <a:p>
-            <a:pPr marL="457200" indent="-457200">
-              <a:buFont typeface="Wingdings" pitchFamily="2" charset="2"/>
-              <a:buChar char="§"/>
-            </a:pPr>
-            <a:endParaRPr lang="en-US" sz="2400" b="1" dirty="0">
-              <a:solidFill>
-                <a:schemeClr val="accent1">
-                  <a:lumMod val="75000"/>
-                </a:schemeClr>
-              </a:solidFill>
-            </a:endParaRPr>
-          </a:p>
-          <a:p>
-            <a:pPr marL="457200" indent="-457200">
-              <a:buFont typeface="Wingdings" pitchFamily="2" charset="2"/>
-              <a:buChar char="§"/>
-            </a:pPr>
-            <a:r>
-              <a:rPr lang="en-US" sz="2400" b="1" dirty="0">
-                <a:solidFill>
-                  <a:schemeClr val="accent1">
-                    <a:lumMod val="75000"/>
-                  </a:schemeClr>
-                </a:solidFill>
-              </a:rPr>
-              <a:t>What other statistics or data sciences courses have you taken at UR?</a:t>
-            </a:r>
-          </a:p>
-          <a:p>
-            <a:pPr marL="457200" indent="-457200">
-              <a:buFont typeface="Wingdings" pitchFamily="2" charset="2"/>
-              <a:buChar char="§"/>
-            </a:pPr>
-            <a:endParaRPr lang="en-US" sz="2400" b="1" dirty="0">
-              <a:solidFill>
-                <a:schemeClr val="accent1">
-                  <a:lumMod val="75000"/>
-                </a:schemeClr>
-              </a:solidFill>
-            </a:endParaRPr>
-          </a:p>
-          <a:p>
-            <a:pPr marL="457200" indent="-457200">
-              <a:buFont typeface="Wingdings" pitchFamily="2" charset="2"/>
-              <a:buChar char="§"/>
-            </a:pPr>
-            <a:r>
-              <a:rPr lang="en-US" sz="2400" b="1" dirty="0">
-                <a:solidFill>
-                  <a:schemeClr val="accent1">
-                    <a:lumMod val="75000"/>
-                  </a:schemeClr>
-                </a:solidFill>
-              </a:rPr>
-              <a:t>In one sentence, why are you taking this class?</a:t>
-            </a:r>
-          </a:p>
-          <a:p>
-            <a:pPr marL="457200" indent="-457200">
-              <a:buFont typeface="Wingdings" pitchFamily="2" charset="2"/>
-              <a:buChar char="§"/>
-            </a:pPr>
-            <a:endParaRPr lang="en-US" sz="2400" b="1" dirty="0">
-              <a:solidFill>
-                <a:schemeClr val="accent1">
-                  <a:lumMod val="75000"/>
-                </a:schemeClr>
-              </a:solidFill>
-            </a:endParaRPr>
-          </a:p>
-          <a:p>
-            <a:pPr marL="457200" indent="-457200">
-              <a:buFont typeface="Wingdings" pitchFamily="2" charset="2"/>
-              <a:buChar char="§"/>
-            </a:pPr>
-            <a:r>
-              <a:rPr lang="en-US" sz="2400" b="1" dirty="0">
-                <a:solidFill>
-                  <a:schemeClr val="accent1">
-                    <a:lumMod val="75000"/>
-                  </a:schemeClr>
-                </a:solidFill>
-              </a:rPr>
-              <a:t>Anything else I should know? At a minimum, please let me know if you have a DAN or are involved in any UR sports teams or other official organizations that may cause you to miss class</a:t>
+            <a:pPr algn="ctr"/>
+            <a:r>
+              <a:rPr lang="fr-FR" sz="4800" b="1" noProof="1"/>
+              <a:t>4. Course Setup</a:t>
             </a:r>
           </a:p>
         </p:txBody>
@@ -4001,7 +4000,7 @@
     </p:spTree>
     <p:extLst>
       <p:ext uri="{BB962C8B-B14F-4D97-AF65-F5344CB8AC3E}">
-        <p14:creationId xmlns:p14="http://schemas.microsoft.com/office/powerpoint/2010/main" val="3373202900"/>
+        <p14:creationId xmlns:p14="http://schemas.microsoft.com/office/powerpoint/2010/main" val="997185454"/>
       </p:ext>
     </p:extLst>
   </p:cSld>
@@ -4028,6 +4027,42 @@
           <a:chExt cx="0" cy="0"/>
         </a:xfrm>
       </p:grpSpPr>
+      <p:sp>
+        <p:nvSpPr>
+          <p:cNvPr id="72" name="ZoneTexte 71">
+            <a:extLst>
+              <a:ext uri="{FF2B5EF4-FFF2-40B4-BE49-F238E27FC236}">
+                <a16:creationId xmlns:a16="http://schemas.microsoft.com/office/drawing/2014/main" id="{3890A706-5F2B-E84E-A26A-A267907CC130}"/>
+              </a:ext>
+            </a:extLst>
+          </p:cNvPr>
+          <p:cNvSpPr txBox="1"/>
+          <p:nvPr/>
+        </p:nvSpPr>
+        <p:spPr>
+          <a:xfrm>
+            <a:off x="2412449" y="187151"/>
+            <a:ext cx="7367101" cy="830997"/>
+          </a:xfrm>
+          <a:prstGeom prst="rect">
+            <a:avLst/>
+          </a:prstGeom>
+          <a:noFill/>
+        </p:spPr>
+        <p:txBody>
+          <a:bodyPr wrap="square" rtlCol="0">
+            <a:spAutoFit/>
+          </a:bodyPr>
+          <a:lstStyle/>
+          <a:p>
+            <a:pPr algn="ctr"/>
+            <a:r>
+              <a:rPr lang="fr-FR" sz="4800" b="1" u="sng" noProof="1"/>
+              <a:t>Installing Course Software</a:t>
+            </a:r>
+          </a:p>
+        </p:txBody>
+      </p:sp>
       <p:pic>
         <p:nvPicPr>
           <p:cNvPr id="1026" name="Picture 2">
@@ -4118,10 +4153,10 @@
       </p:sp>
       <p:sp>
         <p:nvSpPr>
-          <p:cNvPr id="5" name="ZoneTexte 4">
-            <a:extLst>
-              <a:ext uri="{FF2B5EF4-FFF2-40B4-BE49-F238E27FC236}">
-                <a16:creationId xmlns:a16="http://schemas.microsoft.com/office/drawing/2014/main" id="{A9E3DC8F-D084-F246-8B0D-27E465CD52F5}"/>
+          <p:cNvPr id="35" name="ZoneTexte 34">
+            <a:extLst>
+              <a:ext uri="{FF2B5EF4-FFF2-40B4-BE49-F238E27FC236}">
+                <a16:creationId xmlns:a16="http://schemas.microsoft.com/office/drawing/2014/main" id="{083121EA-22BA-0B48-B415-49DA1E741FA9}"/>
               </a:ext>
             </a:extLst>
           </p:cNvPr>
@@ -4130,8 +4165,8 @@
         </p:nvSpPr>
         <p:spPr>
           <a:xfrm>
-            <a:off x="2242456" y="2598003"/>
-            <a:ext cx="7707087" cy="830997"/>
+            <a:off x="2451650" y="1351508"/>
+            <a:ext cx="7288698" cy="5262979"/>
           </a:xfrm>
           <a:prstGeom prst="rect">
             <a:avLst/>
@@ -4144,10 +4179,48 @@
           </a:bodyPr>
           <a:lstStyle/>
           <a:p>
-            <a:pPr algn="ctr"/>
-            <a:r>
-              <a:rPr lang="fr-FR" sz="4800" b="1" noProof="1"/>
-              <a:t>4. Course Setup</a:t>
+            <a:r>
+              <a:rPr lang="fr-FR" sz="2400" noProof="1"/>
+              <a:t>We need to install three different components for this semester:</a:t>
+            </a:r>
+          </a:p>
+          <a:p>
+            <a:endParaRPr lang="fr-FR" sz="2400" noProof="1"/>
+          </a:p>
+          <a:p>
+            <a:r>
+              <a:rPr lang="fr-FR" sz="2400" noProof="1"/>
+              <a:t>   1. The R Programming Language</a:t>
+            </a:r>
+          </a:p>
+          <a:p>
+            <a:r>
+              <a:rPr lang="fr-FR" sz="2400" noProof="1"/>
+              <a:t>   2. The RStudio IDE </a:t>
+            </a:r>
+          </a:p>
+          <a:p>
+            <a:r>
+              <a:rPr lang="fr-FR" sz="2400" noProof="1"/>
+              <a:t>   3. A set of R Packages and data</a:t>
+            </a:r>
+          </a:p>
+          <a:p>
+            <a:endParaRPr lang="fr-FR" sz="2400" noProof="1"/>
+          </a:p>
+          <a:p>
+            <a:r>
+              <a:rPr lang="fr-FR" sz="2400" noProof="1"/>
+              <a:t>All of these components are open-source and available for all modern operating systems. You may have trouble, however, if you have an older OS and have not updated it recently. </a:t>
+            </a:r>
+          </a:p>
+          <a:p>
+            <a:endParaRPr lang="fr-FR" sz="2400" noProof="1"/>
+          </a:p>
+          <a:p>
+            <a:r>
+              <a:rPr lang="fr-FR" sz="2400" noProof="1"/>
+              <a:t>Even if you already have R installed, I suggest doing a fresh update for the semester.</a:t>
             </a:r>
           </a:p>
         </p:txBody>
@@ -4155,7 +4228,7 @@
     </p:spTree>
     <p:extLst>
       <p:ext uri="{BB962C8B-B14F-4D97-AF65-F5344CB8AC3E}">
-        <p14:creationId xmlns:p14="http://schemas.microsoft.com/office/powerpoint/2010/main" val="997185454"/>
+        <p14:creationId xmlns:p14="http://schemas.microsoft.com/office/powerpoint/2010/main" val="4105779684"/>
       </p:ext>
     </p:extLst>
   </p:cSld>
@@ -4213,7 +4286,7 @@
             <a:pPr algn="ctr"/>
             <a:r>
               <a:rPr lang="fr-FR" sz="4800" b="1" u="sng" noProof="1"/>
-              <a:t>Installing Course Software</a:t>
+              <a:t>1. Installing the R Language</a:t>
             </a:r>
           </a:p>
         </p:txBody>
@@ -4321,7 +4394,7 @@
         <p:spPr>
           <a:xfrm>
             <a:off x="2451650" y="1351508"/>
-            <a:ext cx="7288698" cy="5262979"/>
+            <a:ext cx="7288698" cy="4524315"/>
           </a:xfrm>
           <a:prstGeom prst="rect">
             <a:avLst/>
@@ -4336,7 +4409,21 @@
           <a:p>
             <a:r>
               <a:rPr lang="fr-FR" sz="2400" noProof="1"/>
-              <a:t>We need to install three different components for this semester:</a:t>
+              <a:t>To install R, go to </a:t>
+            </a:r>
+            <a:r>
+              <a:rPr lang="fr-FR" sz="2400" noProof="1">
+                <a:solidFill>
+                  <a:schemeClr val="accent5">
+                    <a:lumMod val="75000"/>
+                  </a:schemeClr>
+                </a:solidFill>
+              </a:rPr>
+              <a:t>https://cran.r-project.org/ </a:t>
+            </a:r>
+            <a:r>
+              <a:rPr lang="fr-FR" sz="2400" noProof="1"/>
+              <a:t>and select your operating system. Then:</a:t>
             </a:r>
           </a:p>
           <a:p>
@@ -4345,19 +4432,37 @@
           <a:p>
             <a:r>
               <a:rPr lang="fr-FR" sz="2400" noProof="1"/>
-              <a:t>   1. The R Programming Language</a:t>
-            </a:r>
-          </a:p>
-          <a:p>
+              <a:t>     </a:t>
+            </a:r>
+            <a:r>
+              <a:rPr lang="fr-FR" sz="2400" b="1" noProof="1"/>
+              <a:t>macOS</a:t>
+            </a:r>
             <a:r>
               <a:rPr lang="fr-FR" sz="2400" noProof="1"/>
-              <a:t>   2. The RStudio IDE </a:t>
+              <a:t> =&gt; click on R-4.3.2.pkg and follow instructions</a:t>
             </a:r>
           </a:p>
           <a:p>
             <a:r>
               <a:rPr lang="fr-FR" sz="2400" noProof="1"/>
-              <a:t>   3. A set of R Packages and data</a:t>
+              <a:t>     </a:t>
+            </a:r>
+            <a:r>
+              <a:rPr lang="fr-FR" sz="2400" b="1" noProof="1"/>
+              <a:t>Windows</a:t>
+            </a:r>
+            <a:r>
+              <a:rPr lang="fr-FR" sz="2400" noProof="1"/>
+              <a:t> =&gt; click on </a:t>
+            </a:r>
+            <a:r>
+              <a:rPr lang="fr-FR" sz="2400" b="1" noProof="1"/>
+              <a:t>base</a:t>
+            </a:r>
+            <a:r>
+              <a:rPr lang="fr-FR" sz="2400" noProof="1"/>
+              <a:t> followed by "Download R"</a:t>
             </a:r>
           </a:p>
           <a:p>
@@ -4366,16 +4471,16 @@
           <a:p>
             <a:r>
               <a:rPr lang="fr-FR" sz="2400" noProof="1"/>
-              <a:t>All of these components are open-source and available for all modern operating systems. You may have trouble, however, if you have an older OS and have not updated it recently. </a:t>
-            </a:r>
-          </a:p>
-          <a:p>
-            <a:endParaRPr lang="fr-FR" sz="2400" noProof="1"/>
+              <a:t>For Linux, either install from source or use your favorite package manager. </a:t>
+            </a:r>
+          </a:p>
+          <a:p>
+            <a:endParaRPr lang="fr-FR" sz="2400" b="1" noProof="1"/>
           </a:p>
           <a:p>
             <a:r>
               <a:rPr lang="fr-FR" sz="2400" noProof="1"/>
-              <a:t>Even if you already have R installed, I suggest doing a fresh update for the semester.</a:t>
+              <a:t>You need to install R before anything else, but we will never actually open it directly. So feel free to remove and shortcuts or links that are created during installation.</a:t>
             </a:r>
           </a:p>
         </p:txBody>
@@ -4383,7 +4488,7 @@
     </p:spTree>
     <p:extLst>
       <p:ext uri="{BB962C8B-B14F-4D97-AF65-F5344CB8AC3E}">
-        <p14:creationId xmlns:p14="http://schemas.microsoft.com/office/powerpoint/2010/main" val="4105779684"/>
+        <p14:creationId xmlns:p14="http://schemas.microsoft.com/office/powerpoint/2010/main" val="811046558"/>
       </p:ext>
     </p:extLst>
   </p:cSld>
@@ -4441,7 +4546,7 @@
             <a:pPr algn="ctr"/>
             <a:r>
               <a:rPr lang="fr-FR" sz="4800" b="1" u="sng" noProof="1"/>
-              <a:t>1. Installing the R Language</a:t>
+              <a:t>2. Installing RStudio</a:t>
             </a:r>
           </a:p>
         </p:txBody>
@@ -4548,8 +4653,8 @@
         </p:nvSpPr>
         <p:spPr>
           <a:xfrm>
-            <a:off x="2451650" y="1351508"/>
-            <a:ext cx="7288698" cy="4524315"/>
+            <a:off x="1646238" y="1351508"/>
+            <a:ext cx="8899522" cy="2677656"/>
           </a:xfrm>
           <a:prstGeom prst="rect">
             <a:avLst/>
@@ -4564,7 +4669,16 @@
           <a:p>
             <a:r>
               <a:rPr lang="fr-FR" sz="2400" noProof="1"/>
-              <a:t>To install R, go to </a:t>
+              <a:t>To install RStudio, follow the following link and download either the dmg (macOS) or exe (Windows):</a:t>
+            </a:r>
+          </a:p>
+          <a:p>
+            <a:endParaRPr lang="fr-FR" sz="2400" noProof="1"/>
+          </a:p>
+          <a:p>
+            <a:r>
+              <a:rPr lang="fr-FR" sz="2400" noProof="1"/>
+              <a:t>	</a:t>
             </a:r>
             <a:r>
               <a:rPr lang="fr-FR" sz="2400" noProof="1">
@@ -4573,77 +4687,44 @@
                     <a:lumMod val="75000"/>
                   </a:schemeClr>
                 </a:solidFill>
+                <a:hlinkClick r:id="rId3"/>
               </a:rPr>
-              <a:t>https://cran.r-project.org/ </a:t>
+              <a:t>https://posit.co/download/rstudio-desktop/</a:t>
+            </a:r>
+            <a:endParaRPr lang="fr-FR" sz="2400" noProof="1">
+              <a:solidFill>
+                <a:schemeClr val="accent5">
+                  <a:lumMod val="75000"/>
+                </a:schemeClr>
+              </a:solidFill>
+            </a:endParaRPr>
+          </a:p>
+          <a:p>
+            <a:endParaRPr lang="fr-FR" sz="2400" noProof="1">
+              <a:solidFill>
+                <a:schemeClr val="accent5">
+                  <a:lumMod val="75000"/>
+                </a:schemeClr>
+              </a:solidFill>
+            </a:endParaRPr>
+          </a:p>
+          <a:p>
+            <a:r>
+              <a:rPr lang="fr-FR" sz="2400" b="1" noProof="1"/>
+              <a:t>Note: </a:t>
             </a:r>
             <a:r>
               <a:rPr lang="fr-FR" sz="2400" noProof="1"/>
-              <a:t>and select your operating system. Then:</a:t>
-            </a:r>
-          </a:p>
-          <a:p>
-            <a:endParaRPr lang="fr-FR" sz="2400" noProof="1"/>
-          </a:p>
-          <a:p>
-            <a:r>
-              <a:rPr lang="fr-FR" sz="2400" noProof="1"/>
-              <a:t>     </a:t>
-            </a:r>
-            <a:r>
-              <a:rPr lang="fr-FR" sz="2400" b="1" noProof="1"/>
-              <a:t>macOS</a:t>
-            </a:r>
-            <a:r>
-              <a:rPr lang="fr-FR" sz="2400" noProof="1"/>
-              <a:t> =&gt; click on R-4.3.2.pkg and follow instructions</a:t>
-            </a:r>
-          </a:p>
-          <a:p>
-            <a:r>
-              <a:rPr lang="fr-FR" sz="2400" noProof="1"/>
-              <a:t>     </a:t>
-            </a:r>
-            <a:r>
-              <a:rPr lang="fr-FR" sz="2400" b="1" noProof="1"/>
-              <a:t>Windows</a:t>
-            </a:r>
-            <a:r>
-              <a:rPr lang="fr-FR" sz="2400" noProof="1"/>
-              <a:t> =&gt; click on </a:t>
-            </a:r>
-            <a:r>
-              <a:rPr lang="fr-FR" sz="2400" b="1" noProof="1"/>
-              <a:t>base</a:t>
-            </a:r>
-            <a:r>
-              <a:rPr lang="fr-FR" sz="2400" noProof="1"/>
-              <a:t> followed by "Download R"</a:t>
-            </a:r>
-          </a:p>
-          <a:p>
-            <a:endParaRPr lang="fr-FR" sz="2400" noProof="1"/>
-          </a:p>
-          <a:p>
-            <a:r>
-              <a:rPr lang="fr-FR" sz="2400" noProof="1"/>
-              <a:t>For Linux, either install from source or use your favorite package manager. </a:t>
-            </a:r>
-          </a:p>
-          <a:p>
+              <a:t>On macOS, you need to drag the RStudio icon into your Applications directory after downloading.</a:t>
+            </a:r>
             <a:endParaRPr lang="fr-FR" sz="2400" b="1" noProof="1"/>
-          </a:p>
-          <a:p>
-            <a:r>
-              <a:rPr lang="fr-FR" sz="2400" noProof="1"/>
-              <a:t>You need to install R before anything else, but we will never actually open it directly. So feel free to remove and shortcuts or links that are created during installation.</a:t>
-            </a:r>
           </a:p>
         </p:txBody>
       </p:sp>
     </p:spTree>
     <p:extLst>
       <p:ext uri="{BB962C8B-B14F-4D97-AF65-F5344CB8AC3E}">
-        <p14:creationId xmlns:p14="http://schemas.microsoft.com/office/powerpoint/2010/main" val="811046558"/>
+        <p14:creationId xmlns:p14="http://schemas.microsoft.com/office/powerpoint/2010/main" val="2219876028"/>
       </p:ext>
     </p:extLst>
   </p:cSld>
@@ -4701,7 +4782,7 @@
             <a:pPr algn="ctr"/>
             <a:r>
               <a:rPr lang="fr-FR" sz="4800" b="1" u="sng" noProof="1"/>
-              <a:t>2. Installing RStudio</a:t>
+              <a:t>3. Install R Packages</a:t>
             </a:r>
           </a:p>
         </p:txBody>
@@ -4809,7 +4890,7 @@
         <p:spPr>
           <a:xfrm>
             <a:off x="1646238" y="1351508"/>
-            <a:ext cx="8899522" cy="2677656"/>
+            <a:ext cx="8899522" cy="3416320"/>
           </a:xfrm>
           <a:prstGeom prst="rect">
             <a:avLst/>
@@ -4824,7 +4905,7 @@
           <a:p>
             <a:r>
               <a:rPr lang="fr-FR" sz="2400" noProof="1"/>
-              <a:t>To install RStudio, follow the following link and download either the dmg (macOS) or exe (Windows):</a:t>
+              <a:t>Finally, download and unzip the "materials.zip" file from the class website. We will use this directory throughout the semester, so put it somewhere you will remember it.</a:t>
             </a:r>
           </a:p>
           <a:p>
@@ -4833,53 +4914,24 @@
           <a:p>
             <a:r>
               <a:rPr lang="fr-FR" sz="2400" noProof="1"/>
-              <a:t>	</a:t>
-            </a:r>
-            <a:r>
-              <a:rPr lang="fr-FR" sz="2400" noProof="1">
-                <a:solidFill>
-                  <a:schemeClr val="accent5">
-                    <a:lumMod val="75000"/>
-                  </a:schemeClr>
-                </a:solidFill>
-                <a:hlinkClick r:id="rId3"/>
-              </a:rPr>
-              <a:t>https://posit.co/download/rstudio-desktop/</a:t>
-            </a:r>
-            <a:endParaRPr lang="fr-FR" sz="2400" noProof="1">
-              <a:solidFill>
-                <a:schemeClr val="accent5">
-                  <a:lumMod val="75000"/>
-                </a:schemeClr>
-              </a:solidFill>
-            </a:endParaRPr>
-          </a:p>
-          <a:p>
-            <a:endParaRPr lang="fr-FR" sz="2400" noProof="1">
-              <a:solidFill>
-                <a:schemeClr val="accent5">
-                  <a:lumMod val="75000"/>
-                </a:schemeClr>
-              </a:solidFill>
-            </a:endParaRPr>
-          </a:p>
-          <a:p>
-            <a:r>
-              <a:rPr lang="fr-FR" sz="2400" b="1" noProof="1"/>
-              <a:t>Note: </a:t>
-            </a:r>
+              <a:t>Then, open the setup.Rmd file in RStudio, and click the green play buttons (see next slide).</a:t>
+            </a:r>
+          </a:p>
+          <a:p>
+            <a:endParaRPr lang="fr-FR" sz="2400" noProof="1"/>
+          </a:p>
+          <a:p>
             <a:r>
               <a:rPr lang="fr-FR" sz="2400" noProof="1"/>
-              <a:t>On macOS, you need to drag the RStudio icon into your Applications directory after downloading.</a:t>
-            </a:r>
-            <a:endParaRPr lang="fr-FR" sz="2400" b="1" noProof="1"/>
+              <a:t>Make sure to put this folder somewhere for the semester. You will need it!</a:t>
+            </a:r>
           </a:p>
         </p:txBody>
       </p:sp>
     </p:spTree>
     <p:extLst>
       <p:ext uri="{BB962C8B-B14F-4D97-AF65-F5344CB8AC3E}">
-        <p14:creationId xmlns:p14="http://schemas.microsoft.com/office/powerpoint/2010/main" val="2219876028"/>
+        <p14:creationId xmlns:p14="http://schemas.microsoft.com/office/powerpoint/2010/main" val="317505054"/>
       </p:ext>
     </p:extLst>
   </p:cSld>
@@ -4906,6 +4958,36 @@
           <a:chExt cx="0" cy="0"/>
         </a:xfrm>
       </p:grpSpPr>
+      <p:pic>
+        <p:nvPicPr>
+          <p:cNvPr id="4" name="Image 3" descr="Une image contenant capture d’écran, texte, logiciel&#10;&#10;Description générée automatiquement">
+            <a:extLst>
+              <a:ext uri="{FF2B5EF4-FFF2-40B4-BE49-F238E27FC236}">
+                <a16:creationId xmlns:a16="http://schemas.microsoft.com/office/drawing/2014/main" id="{FB9AC142-2D4E-D0AA-0E7F-A7DF0092A863}"/>
+              </a:ext>
+            </a:extLst>
+          </p:cNvPr>
+          <p:cNvPicPr>
+            <a:picLocks noChangeAspect="1"/>
+          </p:cNvPicPr>
+          <p:nvPr/>
+        </p:nvPicPr>
+        <p:blipFill>
+          <a:blip r:embed="rId2"/>
+          <a:stretch>
+            <a:fillRect/>
+          </a:stretch>
+        </p:blipFill>
+        <p:spPr>
+          <a:xfrm>
+            <a:off x="1253359" y="1319925"/>
+            <a:ext cx="7772400" cy="4853784"/>
+          </a:xfrm>
+          <a:prstGeom prst="rect">
+            <a:avLst/>
+          </a:prstGeom>
+        </p:spPr>
+      </p:pic>
       <p:sp>
         <p:nvSpPr>
           <p:cNvPr id="72" name="ZoneTexte 71">
@@ -4957,7 +5039,7 @@
           <p:nvPr/>
         </p:nvPicPr>
         <p:blipFill>
-          <a:blip r:embed="rId2">
+          <a:blip r:embed="rId3">
             <a:extLst>
               <a:ext uri="{28A0092B-C50C-407E-A947-70E740481C1C}">
                 <a14:useLocalDpi xmlns:a14="http://schemas.microsoft.com/office/drawing/2010/main" val="0"/>
@@ -5030,12 +5112,56 @@
           </a:p>
         </p:txBody>
       </p:sp>
-      <p:sp>
-        <p:nvSpPr>
-          <p:cNvPr id="35" name="ZoneTexte 34">
-            <a:extLst>
-              <a:ext uri="{FF2B5EF4-FFF2-40B4-BE49-F238E27FC236}">
-                <a16:creationId xmlns:a16="http://schemas.microsoft.com/office/drawing/2014/main" id="{083121EA-22BA-0B48-B415-49DA1E741FA9}"/>
+      <p:cxnSp>
+        <p:nvCxnSpPr>
+          <p:cNvPr id="5" name="Connecteur droit avec flèche 4">
+            <a:extLst>
+              <a:ext uri="{FF2B5EF4-FFF2-40B4-BE49-F238E27FC236}">
+                <a16:creationId xmlns:a16="http://schemas.microsoft.com/office/drawing/2014/main" id="{63D5A330-BFFB-8642-B7FD-FE84AAD92FA6}"/>
+              </a:ext>
+            </a:extLst>
+          </p:cNvPr>
+          <p:cNvCxnSpPr>
+            <a:cxnSpLocks/>
+          </p:cNvCxnSpPr>
+          <p:nvPr/>
+        </p:nvCxnSpPr>
+        <p:spPr>
+          <a:xfrm flipH="1">
+            <a:off x="7662041" y="1849821"/>
+            <a:ext cx="2585545" cy="1376855"/>
+          </a:xfrm>
+          <a:prstGeom prst="straightConnector1">
+            <a:avLst/>
+          </a:prstGeom>
+          <a:ln w="38100">
+            <a:solidFill>
+              <a:srgbClr val="C00000"/>
+            </a:solidFill>
+            <a:tailEnd type="triangle"/>
+          </a:ln>
+        </p:spPr>
+        <p:style>
+          <a:lnRef idx="1">
+            <a:schemeClr val="accent1"/>
+          </a:lnRef>
+          <a:fillRef idx="0">
+            <a:schemeClr val="accent1"/>
+          </a:fillRef>
+          <a:effectRef idx="0">
+            <a:schemeClr val="accent1"/>
+          </a:effectRef>
+          <a:fontRef idx="minor">
+            <a:schemeClr val="tx1"/>
+          </a:fontRef>
+        </p:style>
+      </p:cxnSp>
+      <p:sp>
+        <p:nvSpPr>
+          <p:cNvPr id="8" name="ZoneTexte 7">
+            <a:extLst>
+              <a:ext uri="{FF2B5EF4-FFF2-40B4-BE49-F238E27FC236}">
+                <a16:creationId xmlns:a16="http://schemas.microsoft.com/office/drawing/2014/main" id="{DFCC3F95-781D-8943-A7EC-D68C59960EA1}"/>
               </a:ext>
             </a:extLst>
           </p:cNvPr>
@@ -5044,8 +5170,8 @@
         </p:nvSpPr>
         <p:spPr>
           <a:xfrm>
-            <a:off x="1646238" y="1351508"/>
-            <a:ext cx="8899522" cy="3416320"/>
+            <a:off x="10247586" y="1378609"/>
+            <a:ext cx="1810543" cy="584775"/>
           </a:xfrm>
           <a:prstGeom prst="rect">
             <a:avLst/>
@@ -5059,34 +5185,33 @@
           <a:lstStyle/>
           <a:p>
             <a:r>
-              <a:rPr lang="fr-FR" sz="2400" noProof="1"/>
-              <a:t>Finally, download and unzip the "materials.zip" file from the class website. We will use this directory throughout the semester, so put it somewhere you will remember it.</a:t>
-            </a:r>
-          </a:p>
-          <a:p>
-            <a:endParaRPr lang="fr-FR" sz="2400" noProof="1"/>
-          </a:p>
-          <a:p>
-            <a:r>
-              <a:rPr lang="fr-FR" sz="2400" noProof="1"/>
-              <a:t>Then, open the setup.Rmd file in RStudio, and click the green play buttons (see next slide).</a:t>
-            </a:r>
-          </a:p>
-          <a:p>
-            <a:endParaRPr lang="fr-FR" sz="2400" noProof="1"/>
-          </a:p>
-          <a:p>
-            <a:r>
-              <a:rPr lang="fr-FR" sz="2400" noProof="1"/>
-              <a:t>Make sure to put this folder somewhere for the semester. You will need it!</a:t>
-            </a:r>
+              <a:rPr lang="fr-FR" sz="3200" dirty="0">
+                <a:solidFill>
+                  <a:srgbClr val="C00000"/>
+                </a:solidFill>
+              </a:rPr>
+              <a:t>Click </a:t>
+            </a:r>
+            <a:r>
+              <a:rPr lang="fr-FR" sz="3200" dirty="0" err="1">
+                <a:solidFill>
+                  <a:srgbClr val="C00000"/>
+                </a:solidFill>
+              </a:rPr>
+              <a:t>here</a:t>
+            </a:r>
+            <a:endParaRPr lang="fr-FR" sz="3200" dirty="0">
+              <a:solidFill>
+                <a:srgbClr val="C00000"/>
+              </a:solidFill>
+            </a:endParaRPr>
           </a:p>
         </p:txBody>
       </p:sp>
     </p:spTree>
     <p:extLst>
       <p:ext uri="{BB962C8B-B14F-4D97-AF65-F5344CB8AC3E}">
-        <p14:creationId xmlns:p14="http://schemas.microsoft.com/office/powerpoint/2010/main" val="317505054"/>
+        <p14:creationId xmlns:p14="http://schemas.microsoft.com/office/powerpoint/2010/main" val="664255475"/>
       </p:ext>
     </p:extLst>
   </p:cSld>
@@ -5113,36 +5238,6 @@
           <a:chExt cx="0" cy="0"/>
         </a:xfrm>
       </p:grpSpPr>
-      <p:pic>
-        <p:nvPicPr>
-          <p:cNvPr id="4" name="Image 3" descr="Une image contenant capture d’écran, texte, logiciel&#10;&#10;Description générée automatiquement">
-            <a:extLst>
-              <a:ext uri="{FF2B5EF4-FFF2-40B4-BE49-F238E27FC236}">
-                <a16:creationId xmlns:a16="http://schemas.microsoft.com/office/drawing/2014/main" id="{FB9AC142-2D4E-D0AA-0E7F-A7DF0092A863}"/>
-              </a:ext>
-            </a:extLst>
-          </p:cNvPr>
-          <p:cNvPicPr>
-            <a:picLocks noChangeAspect="1"/>
-          </p:cNvPicPr>
-          <p:nvPr/>
-        </p:nvPicPr>
-        <p:blipFill>
-          <a:blip r:embed="rId2"/>
-          <a:stretch>
-            <a:fillRect/>
-          </a:stretch>
-        </p:blipFill>
-        <p:spPr>
-          <a:xfrm>
-            <a:off x="1253359" y="1319925"/>
-            <a:ext cx="7772400" cy="4853784"/>
-          </a:xfrm>
-          <a:prstGeom prst="rect">
-            <a:avLst/>
-          </a:prstGeom>
-        </p:spPr>
-      </p:pic>
       <p:sp>
         <p:nvSpPr>
           <p:cNvPr id="72" name="ZoneTexte 71">
@@ -5174,7 +5269,7 @@
             <a:pPr algn="ctr"/>
             <a:r>
               <a:rPr lang="fr-FR" sz="4800" b="1" u="sng" noProof="1"/>
-              <a:t>3. Install R Packages</a:t>
+              <a:t>For the Semester</a:t>
             </a:r>
           </a:p>
         </p:txBody>
@@ -5194,7 +5289,7 @@
           <p:nvPr/>
         </p:nvPicPr>
         <p:blipFill>
-          <a:blip r:embed="rId3">
+          <a:blip r:embed="rId2">
             <a:extLst>
               <a:ext uri="{28A0092B-C50C-407E-A947-70E740481C1C}">
                 <a14:useLocalDpi xmlns:a14="http://schemas.microsoft.com/office/drawing/2010/main" val="0"/>
@@ -5267,56 +5362,12 @@
           </a:p>
         </p:txBody>
       </p:sp>
-      <p:cxnSp>
-        <p:nvCxnSpPr>
-          <p:cNvPr id="5" name="Connecteur droit avec flèche 4">
-            <a:extLst>
-              <a:ext uri="{FF2B5EF4-FFF2-40B4-BE49-F238E27FC236}">
-                <a16:creationId xmlns:a16="http://schemas.microsoft.com/office/drawing/2014/main" id="{63D5A330-BFFB-8642-B7FD-FE84AAD92FA6}"/>
-              </a:ext>
-            </a:extLst>
-          </p:cNvPr>
-          <p:cNvCxnSpPr>
-            <a:cxnSpLocks/>
-          </p:cNvCxnSpPr>
-          <p:nvPr/>
-        </p:nvCxnSpPr>
-        <p:spPr>
-          <a:xfrm flipH="1">
-            <a:off x="7662041" y="1849821"/>
-            <a:ext cx="2585545" cy="1376855"/>
-          </a:xfrm>
-          <a:prstGeom prst="straightConnector1">
-            <a:avLst/>
-          </a:prstGeom>
-          <a:ln w="38100">
-            <a:solidFill>
-              <a:srgbClr val="C00000"/>
-            </a:solidFill>
-            <a:tailEnd type="triangle"/>
-          </a:ln>
-        </p:spPr>
-        <p:style>
-          <a:lnRef idx="1">
-            <a:schemeClr val="accent1"/>
-          </a:lnRef>
-          <a:fillRef idx="0">
-            <a:schemeClr val="accent1"/>
-          </a:fillRef>
-          <a:effectRef idx="0">
-            <a:schemeClr val="accent1"/>
-          </a:effectRef>
-          <a:fontRef idx="minor">
-            <a:schemeClr val="tx1"/>
-          </a:fontRef>
-        </p:style>
-      </p:cxnSp>
-      <p:sp>
-        <p:nvSpPr>
-          <p:cNvPr id="8" name="ZoneTexte 7">
-            <a:extLst>
-              <a:ext uri="{FF2B5EF4-FFF2-40B4-BE49-F238E27FC236}">
-                <a16:creationId xmlns:a16="http://schemas.microsoft.com/office/drawing/2014/main" id="{DFCC3F95-781D-8943-A7EC-D68C59960EA1}"/>
+      <p:sp>
+        <p:nvSpPr>
+          <p:cNvPr id="35" name="ZoneTexte 34">
+            <a:extLst>
+              <a:ext uri="{FF2B5EF4-FFF2-40B4-BE49-F238E27FC236}">
+                <a16:creationId xmlns:a16="http://schemas.microsoft.com/office/drawing/2014/main" id="{083121EA-22BA-0B48-B415-49DA1E741FA9}"/>
               </a:ext>
             </a:extLst>
           </p:cNvPr>
@@ -5325,8 +5376,8 @@
         </p:nvSpPr>
         <p:spPr>
           <a:xfrm>
-            <a:off x="10247586" y="1378609"/>
-            <a:ext cx="1810543" cy="584775"/>
+            <a:off x="1646238" y="1351508"/>
+            <a:ext cx="8899522" cy="3416320"/>
           </a:xfrm>
           <a:prstGeom prst="rect">
             <a:avLst/>
@@ -5340,214 +5391,8 @@
           <a:lstStyle/>
           <a:p>
             <a:r>
-              <a:rPr lang="fr-FR" sz="3200" dirty="0">
-                <a:solidFill>
-                  <a:srgbClr val="C00000"/>
-                </a:solidFill>
-              </a:rPr>
-              <a:t>Click </a:t>
-            </a:r>
-            <a:r>
-              <a:rPr lang="fr-FR" sz="3200" dirty="0" err="1">
-                <a:solidFill>
-                  <a:srgbClr val="C00000"/>
-                </a:solidFill>
-              </a:rPr>
-              <a:t>here</a:t>
-            </a:r>
-            <a:endParaRPr lang="fr-FR" sz="3200" dirty="0">
-              <a:solidFill>
-                <a:srgbClr val="C00000"/>
-              </a:solidFill>
-            </a:endParaRPr>
-          </a:p>
-        </p:txBody>
-      </p:sp>
-    </p:spTree>
-    <p:extLst>
-      <p:ext uri="{BB962C8B-B14F-4D97-AF65-F5344CB8AC3E}">
-        <p14:creationId xmlns:p14="http://schemas.microsoft.com/office/powerpoint/2010/main" val="664255475"/>
-      </p:ext>
-    </p:extLst>
-  </p:cSld>
-  <p:clrMapOvr>
-    <a:masterClrMapping/>
-  </p:clrMapOvr>
-</p:sld>
-</file>
-
-<file path=ppt/slides/slide18.xml><?xml version="1.0" encoding="utf-8"?>
-<p:sld xmlns:a="http://schemas.openxmlformats.org/drawingml/2006/main" xmlns:r="http://schemas.openxmlformats.org/officeDocument/2006/relationships" xmlns:p="http://schemas.openxmlformats.org/presentationml/2006/main">
-  <p:cSld>
-    <p:spTree>
-      <p:nvGrpSpPr>
-        <p:cNvPr id="1" name=""/>
-        <p:cNvGrpSpPr/>
-        <p:nvPr/>
-      </p:nvGrpSpPr>
-      <p:grpSpPr>
-        <a:xfrm>
-          <a:off x="0" y="0"/>
-          <a:ext cx="0" cy="0"/>
-          <a:chOff x="0" y="0"/>
-          <a:chExt cx="0" cy="0"/>
-        </a:xfrm>
-      </p:grpSpPr>
-      <p:sp>
-        <p:nvSpPr>
-          <p:cNvPr id="72" name="ZoneTexte 71">
-            <a:extLst>
-              <a:ext uri="{FF2B5EF4-FFF2-40B4-BE49-F238E27FC236}">
-                <a16:creationId xmlns:a16="http://schemas.microsoft.com/office/drawing/2014/main" id="{3890A706-5F2B-E84E-A26A-A267907CC130}"/>
-              </a:ext>
-            </a:extLst>
-          </p:cNvPr>
-          <p:cNvSpPr txBox="1"/>
-          <p:nvPr/>
-        </p:nvSpPr>
-        <p:spPr>
-          <a:xfrm>
-            <a:off x="2412449" y="187151"/>
-            <a:ext cx="7367101" cy="830997"/>
-          </a:xfrm>
-          <a:prstGeom prst="rect">
-            <a:avLst/>
-          </a:prstGeom>
-          <a:noFill/>
-        </p:spPr>
-        <p:txBody>
-          <a:bodyPr wrap="square" rtlCol="0">
-            <a:spAutoFit/>
-          </a:bodyPr>
-          <a:lstStyle/>
-          <a:p>
-            <a:pPr algn="ctr"/>
-            <a:r>
-              <a:rPr lang="fr-FR" sz="4800" b="1" u="sng" noProof="1"/>
-              <a:t>For the Semester</a:t>
-            </a:r>
-          </a:p>
-        </p:txBody>
-      </p:sp>
-      <p:pic>
-        <p:nvPicPr>
-          <p:cNvPr id="1026" name="Picture 2">
-            <a:extLst>
-              <a:ext uri="{FF2B5EF4-FFF2-40B4-BE49-F238E27FC236}">
-                <a16:creationId xmlns:a16="http://schemas.microsoft.com/office/drawing/2014/main" id="{ECEC78D4-0EC8-6148-B750-42F18BFCA56C}"/>
-              </a:ext>
-            </a:extLst>
-          </p:cNvPr>
-          <p:cNvPicPr>
-            <a:picLocks noChangeAspect="1" noChangeArrowheads="1"/>
-          </p:cNvPicPr>
-          <p:nvPr/>
-        </p:nvPicPr>
-        <p:blipFill>
-          <a:blip r:embed="rId2">
-            <a:extLst>
-              <a:ext uri="{28A0092B-C50C-407E-A947-70E740481C1C}">
-                <a14:useLocalDpi xmlns:a14="http://schemas.microsoft.com/office/drawing/2010/main" val="0"/>
-              </a:ext>
-            </a:extLst>
-          </a:blip>
-          <a:srcRect/>
-          <a:stretch>
-            <a:fillRect/>
-          </a:stretch>
-        </p:blipFill>
-        <p:spPr bwMode="auto">
-          <a:xfrm>
-            <a:off x="11267345" y="6475487"/>
-            <a:ext cx="856587" cy="299700"/>
-          </a:xfrm>
-          <a:prstGeom prst="rect">
-            <a:avLst/>
-          </a:prstGeom>
-          <a:noFill/>
-          <a:extLst>
-            <a:ext uri="{909E8E84-426E-40DD-AFC4-6F175D3DCCD1}">
-              <a14:hiddenFill xmlns:a14="http://schemas.microsoft.com/office/drawing/2010/main">
-                <a:solidFill>
-                  <a:srgbClr val="FFFFFF"/>
-                </a:solidFill>
-              </a14:hiddenFill>
-            </a:ext>
-          </a:extLst>
-        </p:spPr>
-      </p:pic>
-      <p:sp>
-        <p:nvSpPr>
-          <p:cNvPr id="76" name="ZoneTexte 75">
-            <a:extLst>
-              <a:ext uri="{FF2B5EF4-FFF2-40B4-BE49-F238E27FC236}">
-                <a16:creationId xmlns:a16="http://schemas.microsoft.com/office/drawing/2014/main" id="{827C32F7-EAB8-F143-B412-CBD04F7209BF}"/>
-              </a:ext>
-            </a:extLst>
-          </p:cNvPr>
-          <p:cNvSpPr txBox="1"/>
-          <p:nvPr/>
-        </p:nvSpPr>
-        <p:spPr>
-          <a:xfrm>
-            <a:off x="68068" y="6475487"/>
-            <a:ext cx="4030964" cy="338554"/>
-          </a:xfrm>
-          <a:prstGeom prst="rect">
-            <a:avLst/>
-          </a:prstGeom>
-          <a:noFill/>
-        </p:spPr>
-        <p:txBody>
-          <a:bodyPr wrap="square" rtlCol="0">
-            <a:spAutoFit/>
-          </a:bodyPr>
-          <a:lstStyle/>
-          <a:p>
-            <a:r>
-              <a:rPr lang="fr-FR" sz="1600" noProof="1">
-                <a:solidFill>
-                  <a:schemeClr val="bg1">
-                    <a:lumMod val="65000"/>
-                  </a:schemeClr>
-                </a:solidFill>
-              </a:rPr>
-              <a:t>T. ARNOLD</a:t>
-            </a:r>
-          </a:p>
-        </p:txBody>
-      </p:sp>
-      <p:sp>
-        <p:nvSpPr>
-          <p:cNvPr id="35" name="ZoneTexte 34">
-            <a:extLst>
-              <a:ext uri="{FF2B5EF4-FFF2-40B4-BE49-F238E27FC236}">
-                <a16:creationId xmlns:a16="http://schemas.microsoft.com/office/drawing/2014/main" id="{083121EA-22BA-0B48-B415-49DA1E741FA9}"/>
-              </a:ext>
-            </a:extLst>
-          </p:cNvPr>
-          <p:cNvSpPr txBox="1"/>
-          <p:nvPr/>
-        </p:nvSpPr>
-        <p:spPr>
-          <a:xfrm>
-            <a:off x="1646238" y="1351508"/>
-            <a:ext cx="8899522" cy="3416320"/>
-          </a:xfrm>
-          <a:prstGeom prst="rect">
-            <a:avLst/>
-          </a:prstGeom>
-          <a:noFill/>
-        </p:spPr>
-        <p:txBody>
-          <a:bodyPr wrap="square" rtlCol="0">
-            <a:spAutoFit/>
-          </a:bodyPr>
-          <a:lstStyle/>
-          <a:p>
-            <a:r>
               <a:rPr lang="fr-FR" sz="2400" noProof="1"/>
-              <a:t>You should plan on bringing a laptop with a working version of R, RStudio, and all of the installed packages to each class meeting. If that is or becomes an issue, just let me know and we will find a solution.</a:t>
+              <a:t>You should bring a laptop with a working version of R, RStudio, and all of the installed packages to each class meeting. If that is or becomes an issue, just let me know and we will find a solution.</a:t>
             </a:r>
           </a:p>
           <a:p>
@@ -6251,8 +6096,8 @@
         </p:nvSpPr>
         <p:spPr>
           <a:xfrm>
-            <a:off x="915022" y="1351508"/>
-            <a:ext cx="10361953" cy="4524315"/>
+            <a:off x="846393" y="1351508"/>
+            <a:ext cx="10499212" cy="4893647"/>
           </a:xfrm>
           <a:prstGeom prst="rect">
             <a:avLst/>
@@ -6268,19 +6113,7 @@
             <a:pPr algn="just"/>
             <a:r>
               <a:rPr lang="en-US" sz="2400" dirty="0"/>
-              <a:t>There has always been some uncertainty about what is covered by the term </a:t>
-            </a:r>
-            <a:r>
-              <a:rPr lang="en-US" sz="2400" b="1" i="1" dirty="0"/>
-              <a:t>statistics</a:t>
-            </a:r>
-            <a:r>
-              <a:rPr lang="en-US" sz="2400" i="1" dirty="0"/>
-              <a:t>. </a:t>
-            </a:r>
-            <a:r>
-              <a:rPr lang="en-US" sz="2400" dirty="0"/>
-              <a:t>At stake are the several closely related questions:</a:t>
+              <a:t>We will use the following definitions (note: these are not universally accepted!):</a:t>
             </a:r>
           </a:p>
           <a:p>
@@ -6290,38 +6123,46 @@
           <a:p>
             <a:pPr lvl="1" algn="just"/>
             <a:r>
+              <a:rPr lang="en-US" sz="2400" b="1" dirty="0"/>
+              <a:t>Data Science</a:t>
+            </a:r>
+            <a:r>
               <a:rPr lang="en-US" sz="2400" dirty="0"/>
-              <a:t>Q1. Does it cover all aspects of collecting, organizing, analyzing, interpreting, and presenting data? Or is it just the mathematical modeling of randomness and/or applied probability?</a:t>
+              <a:t>: Large umbrella term for the academic domain concerned with the collecting, organizing, analyzing, interpreting, and presenting data. It is its own interdisciplinary field that naturally overlaps with many other domains.</a:t>
             </a:r>
           </a:p>
           <a:p>
             <a:pPr lvl="1" algn="just"/>
+            <a:endParaRPr lang="en-US" sz="2400" dirty="0"/>
+          </a:p>
+          <a:p>
+            <a:pPr lvl="1" algn="just"/>
+            <a:r>
+              <a:rPr lang="en-US" sz="2400" b="1" dirty="0"/>
+              <a:t>Statistics</a:t>
+            </a:r>
             <a:r>
               <a:rPr lang="en-US" sz="2400" dirty="0"/>
-              <a:t>Q2. Is it a branch of mathematics? A domain within the larger mathematical sciences? Or an interdisciplinary field that cuts across many others?</a:t>
-            </a:r>
-          </a:p>
-          <a:p>
-            <a:pPr lvl="1" algn="just"/>
+              <a:t>: An academic domain focused on the modeling of randomness in data. Often focused on making inferences and predictions about new data. </a:t>
+            </a:r>
+          </a:p>
+          <a:p>
+            <a:pPr algn="just"/>
+            <a:endParaRPr lang="en-US" sz="2400" b="1" dirty="0"/>
+          </a:p>
+          <a:p>
+            <a:pPr algn="just"/>
             <a:r>
               <a:rPr lang="en-US" sz="2400" dirty="0"/>
-              <a:t>Q3. How is it related to other domains such as data science, information science, and machine learning?</a:t>
-            </a:r>
-          </a:p>
-          <a:p>
-            <a:pPr algn="just"/>
-            <a:endParaRPr lang="en-US" sz="2400" dirty="0"/>
-          </a:p>
-          <a:p>
-            <a:pPr algn="just"/>
-            <a:endParaRPr lang="en-US" sz="2400" dirty="0"/>
+              <a:t>So, for us, nearly all of statistics falls under the umbrella of data science, though the inverse is certainly not true. Also, because it is focused on modelling, almost all of statistics is part of the larger mathematical sciences. Very little, however, would be considered a sub-domain of mathematics itself.  </a:t>
+            </a:r>
           </a:p>
         </p:txBody>
       </p:sp>
     </p:spTree>
     <p:extLst>
       <p:ext uri="{BB962C8B-B14F-4D97-AF65-F5344CB8AC3E}">
-        <p14:creationId xmlns:p14="http://schemas.microsoft.com/office/powerpoint/2010/main" val="3785372900"/>
+        <p14:creationId xmlns:p14="http://schemas.microsoft.com/office/powerpoint/2010/main" val="793313557"/>
       </p:ext>
     </p:extLst>
   </p:cSld>
@@ -6379,7 +6220,7 @@
             <a:pPr algn="ctr"/>
             <a:r>
               <a:rPr lang="fr-FR" sz="4800" b="1" u="sng" noProof="1"/>
-              <a:t>Terminology</a:t>
+              <a:t>330</a:t>
             </a:r>
           </a:p>
         </p:txBody>
@@ -6486,8 +6327,8 @@
         </p:nvSpPr>
         <p:spPr>
           <a:xfrm>
-            <a:off x="2412448" y="2459504"/>
-            <a:ext cx="7367101" cy="1938992"/>
+            <a:off x="846393" y="1109771"/>
+            <a:ext cx="10499212" cy="4893647"/>
           </a:xfrm>
           <a:prstGeom prst="rect">
             <a:avLst/>
@@ -6503,15 +6344,49 @@
             <a:pPr algn="just"/>
             <a:r>
               <a:rPr lang="en-US" sz="2400" dirty="0"/>
-              <a:t>These kinds of debates can be important in some contexts, but too many people waste too much time thinking of them when they could just state whatever working definition they are using in some context and then move. So, let’s do that!</a:t>
-            </a:r>
+              <a:t>The implications for this class are that: </a:t>
+            </a:r>
+          </a:p>
+          <a:p>
+            <a:pPr lvl="1" algn="just"/>
+            <a:endParaRPr lang="en-US" sz="2400" dirty="0"/>
+          </a:p>
+          <a:p>
+            <a:pPr lvl="1" algn="just"/>
+            <a:r>
+              <a:rPr lang="en-US" sz="2400" b="1" dirty="0"/>
+              <a:t>Mathematical Statistics </a:t>
+            </a:r>
+            <a:r>
+              <a:rPr lang="en-US" sz="2400" dirty="0"/>
+              <a:t>We will be using mathematical/probabilistic methods to modelling uncertainty and randomness in data. The first term is a bit redundant but helps to signal our definition of statistics.</a:t>
+            </a:r>
+          </a:p>
+          <a:p>
+            <a:pPr algn="just"/>
+            <a:endParaRPr lang="en-US" sz="2400" dirty="0"/>
+          </a:p>
+          <a:p>
+            <a:pPr lvl="1" algn="just"/>
+            <a:r>
+              <a:rPr lang="en-US" sz="2400" b="1" dirty="0"/>
+              <a:t>DSST</a:t>
+            </a:r>
+            <a:r>
+              <a:rPr lang="en-US" sz="2400" dirty="0"/>
+              <a:t> Starting this semester, this course has a DSST prefix (it still counts as a mathematics elective though!). We are taking a broad data science-based view of the material. We focus on theoretical results that help us do a better job of working with data rather than introducing theory for its own sake. We will use and create data throughout the semester and will be doing a fair amount of statistical computing.</a:t>
+            </a:r>
+          </a:p>
+          <a:p>
+            <a:pPr algn="just"/>
+            <a:endParaRPr lang="en-US" sz="2400" dirty="0"/>
           </a:p>
         </p:txBody>
       </p:sp>
     </p:spTree>
     <p:extLst>
       <p:ext uri="{BB962C8B-B14F-4D97-AF65-F5344CB8AC3E}">
-        <p14:creationId xmlns:p14="http://schemas.microsoft.com/office/powerpoint/2010/main" val="3890074359"/>
+        <p14:creationId xmlns:p14="http://schemas.microsoft.com/office/powerpoint/2010/main" val="679144202"/>
       </p:ext>
     </p:extLst>
   </p:cSld>
@@ -6569,7 +6444,7 @@
             <a:pPr algn="ctr"/>
             <a:r>
               <a:rPr lang="fr-FR" sz="4800" b="1" u="sng" noProof="1"/>
-              <a:t>Terminology</a:t>
+              <a:t>Topics Overview</a:t>
             </a:r>
           </a:p>
         </p:txBody>
@@ -6676,8 +6551,8 @@
         </p:nvSpPr>
         <p:spPr>
           <a:xfrm>
-            <a:off x="846393" y="1351508"/>
-            <a:ext cx="10499212" cy="4893647"/>
+            <a:off x="617072" y="1259041"/>
+            <a:ext cx="10746146" cy="4893647"/>
           </a:xfrm>
           <a:prstGeom prst="rect">
             <a:avLst/>
@@ -6693,7 +6568,7 @@
             <a:pPr algn="just"/>
             <a:r>
               <a:rPr lang="en-US" sz="2400" dirty="0"/>
-              <a:t>For us, we will use the following definitions:</a:t>
+              <a:t>We will roughly follow the following order of topics:</a:t>
             </a:r>
           </a:p>
           <a:p>
@@ -6704,11 +6579,11 @@
             <a:pPr lvl="1" algn="just"/>
             <a:r>
               <a:rPr lang="en-US" sz="2400" b="1" dirty="0"/>
-              <a:t>Data Science</a:t>
+              <a:t>Unit 1 </a:t>
             </a:r>
             <a:r>
               <a:rPr lang="en-US" sz="2400" dirty="0"/>
-              <a:t>: Large umbrella term for the academic domain concerned with the collecting, organizing, analyzing, interpreting, and presenting data. It is its own interdisciplinary field that naturally overlaps with many other domains.</a:t>
+              <a:t>Point estimators, confidence intervals, hypothesis testing, and confidence intervals for the mean of a sample. Introduction to simulations in R. Resampling techniques and the multiple comparison problem. Further tests: chi-squared, Pearson’s correlation, ANOVA F-test.</a:t>
             </a:r>
           </a:p>
           <a:p>
@@ -6719,30 +6594,44 @@
             <a:pPr lvl="1" algn="just"/>
             <a:r>
               <a:rPr lang="en-US" sz="2400" b="1" dirty="0"/>
-              <a:t>Statistics</a:t>
+              <a:t>Unit 2 </a:t>
             </a:r>
             <a:r>
               <a:rPr lang="en-US" sz="2400" dirty="0"/>
-              <a:t>: An academic domain focused on the modeling of randomness in data. Often focused on making inferences and predictions about new data. </a:t>
-            </a:r>
-          </a:p>
-          <a:p>
-            <a:pPr algn="just"/>
+              <a:t>Approaches to point estimation: Maximum Likelihood Estimators (MLE), Method of Moments (MM), and Bayesian estimation. A few theoretical properties: Fisher information and </a:t>
+            </a:r>
+            <a:r>
+              <a:rPr lang="en-US" sz="2400" dirty="0" err="1"/>
+              <a:t>Cramér</a:t>
+            </a:r>
+            <a:r>
+              <a:rPr lang="en-US" sz="2400" dirty="0"/>
+              <a:t>-Rao bound.</a:t>
+            </a:r>
             <a:endParaRPr lang="en-US" sz="2400" b="1" dirty="0"/>
           </a:p>
           <a:p>
-            <a:pPr algn="just"/>
+            <a:pPr lvl="1" algn="just"/>
+            <a:endParaRPr lang="en-US" sz="2400" dirty="0"/>
+          </a:p>
+          <a:p>
+            <a:pPr lvl="1" algn="just"/>
+            <a:r>
+              <a:rPr lang="en-US" sz="2400" b="1" dirty="0"/>
+              <a:t>Unit 3</a:t>
+            </a:r>
             <a:r>
               <a:rPr lang="en-US" sz="2400" dirty="0"/>
-              <a:t>So, for us, nearly all of statistics falls under the umbrella of data science, though the inverse is certainly not true. Also, because it is focused on modelling, almost all of statistics is part of the larger mathematical sciences. Very little, however, would be considered a sub-domain of mathematics itself.  </a:t>
-            </a:r>
+              <a:t> Simple and multivariate linear regression. Generalized regression for the mean: logistic and Poisson.   </a:t>
+            </a:r>
+            <a:endParaRPr lang="en-US" sz="2400" b="1" dirty="0"/>
           </a:p>
         </p:txBody>
       </p:sp>
     </p:spTree>
     <p:extLst>
       <p:ext uri="{BB962C8B-B14F-4D97-AF65-F5344CB8AC3E}">
-        <p14:creationId xmlns:p14="http://schemas.microsoft.com/office/powerpoint/2010/main" val="793313557"/>
+        <p14:creationId xmlns:p14="http://schemas.microsoft.com/office/powerpoint/2010/main" val="3785372900"/>
       </p:ext>
     </p:extLst>
   </p:cSld>
@@ -6800,7 +6689,7 @@
             <a:pPr algn="ctr"/>
             <a:r>
               <a:rPr lang="fr-FR" sz="4800" b="1" u="sng" noProof="1"/>
-              <a:t>330</a:t>
+              <a:t>Fair Warning</a:t>
             </a:r>
           </a:p>
         </p:txBody>
@@ -6907,8 +6796,8 @@
         </p:nvSpPr>
         <p:spPr>
           <a:xfrm>
-            <a:off x="846393" y="1109771"/>
-            <a:ext cx="10499212" cy="4893647"/>
+            <a:off x="846393" y="2090172"/>
+            <a:ext cx="10499212" cy="1569660"/>
           </a:xfrm>
           <a:prstGeom prst="rect">
             <a:avLst/>
@@ -6924,49 +6813,15 @@
             <a:pPr algn="just"/>
             <a:r>
               <a:rPr lang="en-US" sz="2400" dirty="0"/>
-              <a:t>The implications for this class are that: </a:t>
-            </a:r>
-          </a:p>
-          <a:p>
-            <a:pPr lvl="1" algn="just"/>
-            <a:endParaRPr lang="en-US" sz="2400" dirty="0"/>
-          </a:p>
-          <a:p>
-            <a:pPr lvl="1" algn="just"/>
-            <a:r>
-              <a:rPr lang="en-US" sz="2400" b="1" dirty="0"/>
-              <a:t>Mathematical Statistics </a:t>
-            </a:r>
-            <a:r>
-              <a:rPr lang="en-US" sz="2400" dirty="0"/>
-              <a:t>We will be using mathematical/probabilistic methods to modelling uncertainty and randomness in data. The first term is a bit redundant but helps to signal our definition of statistics.</a:t>
-            </a:r>
-          </a:p>
-          <a:p>
-            <a:pPr algn="just"/>
-            <a:endParaRPr lang="en-US" sz="2400" dirty="0"/>
-          </a:p>
-          <a:p>
-            <a:pPr lvl="1" algn="just"/>
-            <a:r>
-              <a:rPr lang="en-US" sz="2400" b="1" dirty="0"/>
-              <a:t>DSST</a:t>
-            </a:r>
-            <a:r>
-              <a:rPr lang="en-US" sz="2400" dirty="0"/>
-              <a:t> Starting this semester, this course has a DSST prefix (it still counts as a mathematics elective though!). We are taking a broad data science-based view of the material. We focus on theoretical results that help us do a better job of working with data rather than introducing theory for its own sake. We will use and create data throughout the semester and will be doing a fair amount of statistical computing.</a:t>
-            </a:r>
-          </a:p>
-          <a:p>
-            <a:pPr algn="just"/>
-            <a:endParaRPr lang="en-US" sz="2400" dirty="0"/>
+              <a:t>While I am very well qualified to teach this class—I have a Ph.D. in statistics, five years of industry experience, and a decade of teaching experience—I have never actually taught a mathematical statistics course. So, expect a few bumps and changes along the way. </a:t>
+            </a:r>
           </a:p>
         </p:txBody>
       </p:sp>
     </p:spTree>
     <p:extLst>
       <p:ext uri="{BB962C8B-B14F-4D97-AF65-F5344CB8AC3E}">
-        <p14:creationId xmlns:p14="http://schemas.microsoft.com/office/powerpoint/2010/main" val="679144202"/>
+        <p14:creationId xmlns:p14="http://schemas.microsoft.com/office/powerpoint/2010/main" val="2333795796"/>
       </p:ext>
     </p:extLst>
   </p:cSld>
@@ -6993,42 +6848,6 @@
           <a:chExt cx="0" cy="0"/>
         </a:xfrm>
       </p:grpSpPr>
-      <p:sp>
-        <p:nvSpPr>
-          <p:cNvPr id="72" name="ZoneTexte 71">
-            <a:extLst>
-              <a:ext uri="{FF2B5EF4-FFF2-40B4-BE49-F238E27FC236}">
-                <a16:creationId xmlns:a16="http://schemas.microsoft.com/office/drawing/2014/main" id="{3890A706-5F2B-E84E-A26A-A267907CC130}"/>
-              </a:ext>
-            </a:extLst>
-          </p:cNvPr>
-          <p:cNvSpPr txBox="1"/>
-          <p:nvPr/>
-        </p:nvSpPr>
-        <p:spPr>
-          <a:xfrm>
-            <a:off x="2412449" y="187151"/>
-            <a:ext cx="7367101" cy="830997"/>
-          </a:xfrm>
-          <a:prstGeom prst="rect">
-            <a:avLst/>
-          </a:prstGeom>
-          <a:noFill/>
-        </p:spPr>
-        <p:txBody>
-          <a:bodyPr wrap="square" rtlCol="0">
-            <a:spAutoFit/>
-          </a:bodyPr>
-          <a:lstStyle/>
-          <a:p>
-            <a:pPr algn="ctr"/>
-            <a:r>
-              <a:rPr lang="fr-FR" sz="4800" b="1" u="sng" noProof="1"/>
-              <a:t>Fair Warning</a:t>
-            </a:r>
-          </a:p>
-        </p:txBody>
-      </p:sp>
       <p:pic>
         <p:nvPicPr>
           <p:cNvPr id="1026" name="Picture 2">
@@ -7119,10 +6938,10 @@
       </p:sp>
       <p:sp>
         <p:nvSpPr>
-          <p:cNvPr id="35" name="ZoneTexte 34">
-            <a:extLst>
-              <a:ext uri="{FF2B5EF4-FFF2-40B4-BE49-F238E27FC236}">
-                <a16:creationId xmlns:a16="http://schemas.microsoft.com/office/drawing/2014/main" id="{083121EA-22BA-0B48-B415-49DA1E741FA9}"/>
+          <p:cNvPr id="5" name="ZoneTexte 4">
+            <a:extLst>
+              <a:ext uri="{FF2B5EF4-FFF2-40B4-BE49-F238E27FC236}">
+                <a16:creationId xmlns:a16="http://schemas.microsoft.com/office/drawing/2014/main" id="{A9E3DC8F-D084-F246-8B0D-27E465CD52F5}"/>
               </a:ext>
             </a:extLst>
           </p:cNvPr>
@@ -7131,8 +6950,8 @@
         </p:nvSpPr>
         <p:spPr>
           <a:xfrm>
-            <a:off x="846393" y="2090172"/>
-            <a:ext cx="10499212" cy="2677656"/>
+            <a:off x="2164818" y="2830916"/>
+            <a:ext cx="8066110" cy="830997"/>
           </a:xfrm>
           <a:prstGeom prst="rect">
             <a:avLst/>
@@ -7145,21 +6964,10 @@
           </a:bodyPr>
           <a:lstStyle/>
           <a:p>
-            <a:pPr algn="just"/>
-            <a:r>
-              <a:rPr lang="en-US" sz="2400" dirty="0"/>
-              <a:t>While I am very well qualified to teach this class—I have a Ph.D. in statistics, five years of industry experience, and a decade of teaching experience—I have never actually taught a mathematical statistics course. So, expect a few bumps and changes along the way. </a:t>
-            </a:r>
-          </a:p>
-          <a:p>
-            <a:pPr algn="just"/>
-            <a:endParaRPr lang="en-US" sz="2400" dirty="0"/>
-          </a:p>
-          <a:p>
-            <a:pPr algn="just"/>
-            <a:r>
-              <a:rPr lang="en-US" sz="2400" dirty="0"/>
-              <a:t>You can see a tentative list of topics on the course website. We will roughly follow this set of topics, but the specific pacing might change.</a:t>
+            <a:pPr algn="ctr"/>
+            <a:r>
+              <a:rPr lang="fr-FR" sz="4800" b="1" noProof="1"/>
+              <a:t>3. Introductions</a:t>
             </a:r>
           </a:p>
         </p:txBody>
@@ -7167,7 +6975,7 @@
     </p:spTree>
     <p:extLst>
       <p:ext uri="{BB962C8B-B14F-4D97-AF65-F5344CB8AC3E}">
-        <p14:creationId xmlns:p14="http://schemas.microsoft.com/office/powerpoint/2010/main" val="2333795796"/>
+        <p14:creationId xmlns:p14="http://schemas.microsoft.com/office/powerpoint/2010/main" val="1279284152"/>
       </p:ext>
     </p:extLst>
   </p:cSld>

--- a/extra/intro.pptx
+++ b/extra/intro.pptx
@@ -15,13 +15,14 @@
     <p:sldId id="310" r:id="rId9"/>
     <p:sldId id="305" r:id="rId10"/>
     <p:sldId id="306" r:id="rId11"/>
-    <p:sldId id="283" r:id="rId12"/>
-    <p:sldId id="257" r:id="rId13"/>
-    <p:sldId id="258" r:id="rId14"/>
-    <p:sldId id="286" r:id="rId15"/>
-    <p:sldId id="287" r:id="rId16"/>
-    <p:sldId id="261" r:id="rId17"/>
-    <p:sldId id="262" r:id="rId18"/>
+    <p:sldId id="311" r:id="rId12"/>
+    <p:sldId id="283" r:id="rId13"/>
+    <p:sldId id="257" r:id="rId14"/>
+    <p:sldId id="258" r:id="rId15"/>
+    <p:sldId id="286" r:id="rId16"/>
+    <p:sldId id="287" r:id="rId17"/>
+    <p:sldId id="261" r:id="rId18"/>
+    <p:sldId id="262" r:id="rId19"/>
   </p:sldIdLst>
   <p:sldSz cx="12192000" cy="6858000"/>
   <p:notesSz cx="6858000" cy="9144000"/>
@@ -275,7 +276,7 @@
           <a:p>
             <a:fld id="{7B9169B0-A344-9A43-AAD5-682508993835}" type="datetimeFigureOut">
               <a:rPr lang="fr-FR" smtClean="0"/>
-              <a:t>05/01/2024</a:t>
+              <a:t>16/01/2024</a:t>
             </a:fld>
             <a:endParaRPr lang="fr-FR"/>
           </a:p>
@@ -473,7 +474,7 @@
           <a:p>
             <a:fld id="{7B9169B0-A344-9A43-AAD5-682508993835}" type="datetimeFigureOut">
               <a:rPr lang="fr-FR" smtClean="0"/>
-              <a:t>05/01/2024</a:t>
+              <a:t>16/01/2024</a:t>
             </a:fld>
             <a:endParaRPr lang="fr-FR"/>
           </a:p>
@@ -681,7 +682,7 @@
           <a:p>
             <a:fld id="{7B9169B0-A344-9A43-AAD5-682508993835}" type="datetimeFigureOut">
               <a:rPr lang="fr-FR" smtClean="0"/>
-              <a:t>05/01/2024</a:t>
+              <a:t>16/01/2024</a:t>
             </a:fld>
             <a:endParaRPr lang="fr-FR"/>
           </a:p>
@@ -879,7 +880,7 @@
           <a:p>
             <a:fld id="{7B9169B0-A344-9A43-AAD5-682508993835}" type="datetimeFigureOut">
               <a:rPr lang="fr-FR" smtClean="0"/>
-              <a:t>05/01/2024</a:t>
+              <a:t>16/01/2024</a:t>
             </a:fld>
             <a:endParaRPr lang="fr-FR"/>
           </a:p>
@@ -1154,7 +1155,7 @@
           <a:p>
             <a:fld id="{7B9169B0-A344-9A43-AAD5-682508993835}" type="datetimeFigureOut">
               <a:rPr lang="fr-FR" smtClean="0"/>
-              <a:t>05/01/2024</a:t>
+              <a:t>16/01/2024</a:t>
             </a:fld>
             <a:endParaRPr lang="fr-FR"/>
           </a:p>
@@ -1419,7 +1420,7 @@
           <a:p>
             <a:fld id="{7B9169B0-A344-9A43-AAD5-682508993835}" type="datetimeFigureOut">
               <a:rPr lang="fr-FR" smtClean="0"/>
-              <a:t>05/01/2024</a:t>
+              <a:t>16/01/2024</a:t>
             </a:fld>
             <a:endParaRPr lang="fr-FR"/>
           </a:p>
@@ -1831,7 +1832,7 @@
           <a:p>
             <a:fld id="{7B9169B0-A344-9A43-AAD5-682508993835}" type="datetimeFigureOut">
               <a:rPr lang="fr-FR" smtClean="0"/>
-              <a:t>05/01/2024</a:t>
+              <a:t>16/01/2024</a:t>
             </a:fld>
             <a:endParaRPr lang="fr-FR"/>
           </a:p>
@@ -1972,7 +1973,7 @@
           <a:p>
             <a:fld id="{7B9169B0-A344-9A43-AAD5-682508993835}" type="datetimeFigureOut">
               <a:rPr lang="fr-FR" smtClean="0"/>
-              <a:t>05/01/2024</a:t>
+              <a:t>16/01/2024</a:t>
             </a:fld>
             <a:endParaRPr lang="fr-FR"/>
           </a:p>
@@ -2085,7 +2086,7 @@
           <a:p>
             <a:fld id="{7B9169B0-A344-9A43-AAD5-682508993835}" type="datetimeFigureOut">
               <a:rPr lang="fr-FR" smtClean="0"/>
-              <a:t>05/01/2024</a:t>
+              <a:t>16/01/2024</a:t>
             </a:fld>
             <a:endParaRPr lang="fr-FR"/>
           </a:p>
@@ -2396,7 +2397,7 @@
           <a:p>
             <a:fld id="{7B9169B0-A344-9A43-AAD5-682508993835}" type="datetimeFigureOut">
               <a:rPr lang="fr-FR" smtClean="0"/>
-              <a:t>05/01/2024</a:t>
+              <a:t>16/01/2024</a:t>
             </a:fld>
             <a:endParaRPr lang="fr-FR"/>
           </a:p>
@@ -2684,7 +2685,7 @@
           <a:p>
             <a:fld id="{7B9169B0-A344-9A43-AAD5-682508993835}" type="datetimeFigureOut">
               <a:rPr lang="fr-FR" smtClean="0"/>
-              <a:t>05/01/2024</a:t>
+              <a:t>16/01/2024</a:t>
             </a:fld>
             <a:endParaRPr lang="fr-FR"/>
           </a:p>
@@ -2925,7 +2926,7 @@
           <a:p>
             <a:fld id="{7B9169B0-A344-9A43-AAD5-682508993835}" type="datetimeFigureOut">
               <a:rPr lang="fr-FR" smtClean="0"/>
-              <a:t>05/01/2024</a:t>
+              <a:t>16/01/2024</a:t>
             </a:fld>
             <a:endParaRPr lang="fr-FR"/>
           </a:p>
@@ -3975,8 +3976,8 @@
         </p:nvSpPr>
         <p:spPr>
           <a:xfrm>
-            <a:off x="2242456" y="2598003"/>
-            <a:ext cx="7707087" cy="830997"/>
+            <a:off x="2164818" y="2830916"/>
+            <a:ext cx="8066110" cy="830997"/>
           </a:xfrm>
           <a:prstGeom prst="rect">
             <a:avLst/>
@@ -3992,7 +3993,7 @@
             <a:pPr algn="ctr"/>
             <a:r>
               <a:rPr lang="fr-FR" sz="4800" b="1" noProof="1"/>
-              <a:t>4. Course Setup</a:t>
+              <a:t>4. Data</a:t>
             </a:r>
           </a:p>
         </p:txBody>
@@ -4000,7 +4001,7 @@
     </p:spTree>
     <p:extLst>
       <p:ext uri="{BB962C8B-B14F-4D97-AF65-F5344CB8AC3E}">
-        <p14:creationId xmlns:p14="http://schemas.microsoft.com/office/powerpoint/2010/main" val="997185454"/>
+        <p14:creationId xmlns:p14="http://schemas.microsoft.com/office/powerpoint/2010/main" val="1827431751"/>
       </p:ext>
     </p:extLst>
   </p:cSld>
@@ -4027,42 +4028,6 @@
           <a:chExt cx="0" cy="0"/>
         </a:xfrm>
       </p:grpSpPr>
-      <p:sp>
-        <p:nvSpPr>
-          <p:cNvPr id="72" name="ZoneTexte 71">
-            <a:extLst>
-              <a:ext uri="{FF2B5EF4-FFF2-40B4-BE49-F238E27FC236}">
-                <a16:creationId xmlns:a16="http://schemas.microsoft.com/office/drawing/2014/main" id="{3890A706-5F2B-E84E-A26A-A267907CC130}"/>
-              </a:ext>
-            </a:extLst>
-          </p:cNvPr>
-          <p:cNvSpPr txBox="1"/>
-          <p:nvPr/>
-        </p:nvSpPr>
-        <p:spPr>
-          <a:xfrm>
-            <a:off x="2412449" y="187151"/>
-            <a:ext cx="7367101" cy="830997"/>
-          </a:xfrm>
-          <a:prstGeom prst="rect">
-            <a:avLst/>
-          </a:prstGeom>
-          <a:noFill/>
-        </p:spPr>
-        <p:txBody>
-          <a:bodyPr wrap="square" rtlCol="0">
-            <a:spAutoFit/>
-          </a:bodyPr>
-          <a:lstStyle/>
-          <a:p>
-            <a:pPr algn="ctr"/>
-            <a:r>
-              <a:rPr lang="fr-FR" sz="4800" b="1" u="sng" noProof="1"/>
-              <a:t>Installing Course Software</a:t>
-            </a:r>
-          </a:p>
-        </p:txBody>
-      </p:sp>
       <p:pic>
         <p:nvPicPr>
           <p:cNvPr id="1026" name="Picture 2">
@@ -4153,10 +4118,10 @@
       </p:sp>
       <p:sp>
         <p:nvSpPr>
-          <p:cNvPr id="35" name="ZoneTexte 34">
-            <a:extLst>
-              <a:ext uri="{FF2B5EF4-FFF2-40B4-BE49-F238E27FC236}">
-                <a16:creationId xmlns:a16="http://schemas.microsoft.com/office/drawing/2014/main" id="{083121EA-22BA-0B48-B415-49DA1E741FA9}"/>
+          <p:cNvPr id="5" name="ZoneTexte 4">
+            <a:extLst>
+              <a:ext uri="{FF2B5EF4-FFF2-40B4-BE49-F238E27FC236}">
+                <a16:creationId xmlns:a16="http://schemas.microsoft.com/office/drawing/2014/main" id="{A9E3DC8F-D084-F246-8B0D-27E465CD52F5}"/>
               </a:ext>
             </a:extLst>
           </p:cNvPr>
@@ -4165,8 +4130,8 @@
         </p:nvSpPr>
         <p:spPr>
           <a:xfrm>
-            <a:off x="2451650" y="1351508"/>
-            <a:ext cx="7288698" cy="5262979"/>
+            <a:off x="2242456" y="2598003"/>
+            <a:ext cx="7707087" cy="830997"/>
           </a:xfrm>
           <a:prstGeom prst="rect">
             <a:avLst/>
@@ -4179,48 +4144,10 @@
           </a:bodyPr>
           <a:lstStyle/>
           <a:p>
-            <a:r>
-              <a:rPr lang="fr-FR" sz="2400" noProof="1"/>
-              <a:t>We need to install three different components for this semester:</a:t>
-            </a:r>
-          </a:p>
-          <a:p>
-            <a:endParaRPr lang="fr-FR" sz="2400" noProof="1"/>
-          </a:p>
-          <a:p>
-            <a:r>
-              <a:rPr lang="fr-FR" sz="2400" noProof="1"/>
-              <a:t>   1. The R Programming Language</a:t>
-            </a:r>
-          </a:p>
-          <a:p>
-            <a:r>
-              <a:rPr lang="fr-FR" sz="2400" noProof="1"/>
-              <a:t>   2. The RStudio IDE </a:t>
-            </a:r>
-          </a:p>
-          <a:p>
-            <a:r>
-              <a:rPr lang="fr-FR" sz="2400" noProof="1"/>
-              <a:t>   3. A set of R Packages and data</a:t>
-            </a:r>
-          </a:p>
-          <a:p>
-            <a:endParaRPr lang="fr-FR" sz="2400" noProof="1"/>
-          </a:p>
-          <a:p>
-            <a:r>
-              <a:rPr lang="fr-FR" sz="2400" noProof="1"/>
-              <a:t>All of these components are open-source and available for all modern operating systems. You may have trouble, however, if you have an older OS and have not updated it recently. </a:t>
-            </a:r>
-          </a:p>
-          <a:p>
-            <a:endParaRPr lang="fr-FR" sz="2400" noProof="1"/>
-          </a:p>
-          <a:p>
-            <a:r>
-              <a:rPr lang="fr-FR" sz="2400" noProof="1"/>
-              <a:t>Even if you already have R installed, I suggest doing a fresh update for the semester.</a:t>
+            <a:pPr algn="ctr"/>
+            <a:r>
+              <a:rPr lang="fr-FR" sz="4800" b="1" noProof="1"/>
+              <a:t>5. Course Setup</a:t>
             </a:r>
           </a:p>
         </p:txBody>
@@ -4228,7 +4155,7 @@
     </p:spTree>
     <p:extLst>
       <p:ext uri="{BB962C8B-B14F-4D97-AF65-F5344CB8AC3E}">
-        <p14:creationId xmlns:p14="http://schemas.microsoft.com/office/powerpoint/2010/main" val="4105779684"/>
+        <p14:creationId xmlns:p14="http://schemas.microsoft.com/office/powerpoint/2010/main" val="997185454"/>
       </p:ext>
     </p:extLst>
   </p:cSld>
@@ -4286,7 +4213,7 @@
             <a:pPr algn="ctr"/>
             <a:r>
               <a:rPr lang="fr-FR" sz="4800" b="1" u="sng" noProof="1"/>
-              <a:t>1. Installing the R Language</a:t>
+              <a:t>Installing Course Software</a:t>
             </a:r>
           </a:p>
         </p:txBody>
@@ -4394,7 +4321,7 @@
         <p:spPr>
           <a:xfrm>
             <a:off x="2451650" y="1351508"/>
-            <a:ext cx="7288698" cy="4524315"/>
+            <a:ext cx="7288698" cy="5262979"/>
           </a:xfrm>
           <a:prstGeom prst="rect">
             <a:avLst/>
@@ -4409,21 +4336,28 @@
           <a:p>
             <a:r>
               <a:rPr lang="fr-FR" sz="2400" noProof="1"/>
-              <a:t>To install R, go to </a:t>
-            </a:r>
-            <a:r>
-              <a:rPr lang="fr-FR" sz="2400" noProof="1">
-                <a:solidFill>
-                  <a:schemeClr val="accent5">
-                    <a:lumMod val="75000"/>
-                  </a:schemeClr>
-                </a:solidFill>
-              </a:rPr>
-              <a:t>https://cran.r-project.org/ </a:t>
-            </a:r>
+              <a:t>We need to install three different components for this semester:</a:t>
+            </a:r>
+          </a:p>
+          <a:p>
+            <a:endParaRPr lang="fr-FR" sz="2400" noProof="1"/>
+          </a:p>
+          <a:p>
             <a:r>
               <a:rPr lang="fr-FR" sz="2400" noProof="1"/>
-              <a:t>and select your operating system. Then:</a:t>
+              <a:t>   1. The R Programming Language</a:t>
+            </a:r>
+          </a:p>
+          <a:p>
+            <a:r>
+              <a:rPr lang="fr-FR" sz="2400" noProof="1"/>
+              <a:t>   2. The RStudio IDE </a:t>
+            </a:r>
+          </a:p>
+          <a:p>
+            <a:r>
+              <a:rPr lang="fr-FR" sz="2400" noProof="1"/>
+              <a:t>   3. A set of R Packages and data</a:t>
             </a:r>
           </a:p>
           <a:p>
@@ -4432,55 +4366,16 @@
           <a:p>
             <a:r>
               <a:rPr lang="fr-FR" sz="2400" noProof="1"/>
-              <a:t>     </a:t>
-            </a:r>
-            <a:r>
-              <a:rPr lang="fr-FR" sz="2400" b="1" noProof="1"/>
-              <a:t>macOS</a:t>
-            </a:r>
+              <a:t>All of these components are open-source and available for all modern operating systems. You may have trouble, however, if you have an older OS and have not updated it recently. </a:t>
+            </a:r>
+          </a:p>
+          <a:p>
+            <a:endParaRPr lang="fr-FR" sz="2400" noProof="1"/>
+          </a:p>
+          <a:p>
             <a:r>
               <a:rPr lang="fr-FR" sz="2400" noProof="1"/>
-              <a:t> =&gt; click on R-4.3.2.pkg and follow instructions</a:t>
-            </a:r>
-          </a:p>
-          <a:p>
-            <a:r>
-              <a:rPr lang="fr-FR" sz="2400" noProof="1"/>
-              <a:t>     </a:t>
-            </a:r>
-            <a:r>
-              <a:rPr lang="fr-FR" sz="2400" b="1" noProof="1"/>
-              <a:t>Windows</a:t>
-            </a:r>
-            <a:r>
-              <a:rPr lang="fr-FR" sz="2400" noProof="1"/>
-              <a:t> =&gt; click on </a:t>
-            </a:r>
-            <a:r>
-              <a:rPr lang="fr-FR" sz="2400" b="1" noProof="1"/>
-              <a:t>base</a:t>
-            </a:r>
-            <a:r>
-              <a:rPr lang="fr-FR" sz="2400" noProof="1"/>
-              <a:t> followed by "Download R"</a:t>
-            </a:r>
-          </a:p>
-          <a:p>
-            <a:endParaRPr lang="fr-FR" sz="2400" noProof="1"/>
-          </a:p>
-          <a:p>
-            <a:r>
-              <a:rPr lang="fr-FR" sz="2400" noProof="1"/>
-              <a:t>For Linux, either install from source or use your favorite package manager. </a:t>
-            </a:r>
-          </a:p>
-          <a:p>
-            <a:endParaRPr lang="fr-FR" sz="2400" b="1" noProof="1"/>
-          </a:p>
-          <a:p>
-            <a:r>
-              <a:rPr lang="fr-FR" sz="2400" noProof="1"/>
-              <a:t>You need to install R before anything else, but we will never actually open it directly. So feel free to remove and shortcuts or links that are created during installation.</a:t>
+              <a:t>Even if you already have R installed, I suggest doing a fresh update for the semester.</a:t>
             </a:r>
           </a:p>
         </p:txBody>
@@ -4488,7 +4383,7 @@
     </p:spTree>
     <p:extLst>
       <p:ext uri="{BB962C8B-B14F-4D97-AF65-F5344CB8AC3E}">
-        <p14:creationId xmlns:p14="http://schemas.microsoft.com/office/powerpoint/2010/main" val="811046558"/>
+        <p14:creationId xmlns:p14="http://schemas.microsoft.com/office/powerpoint/2010/main" val="4105779684"/>
       </p:ext>
     </p:extLst>
   </p:cSld>
@@ -4546,7 +4441,7 @@
             <a:pPr algn="ctr"/>
             <a:r>
               <a:rPr lang="fr-FR" sz="4800" b="1" u="sng" noProof="1"/>
-              <a:t>2. Installing RStudio</a:t>
+              <a:t>1. Installing the R Language</a:t>
             </a:r>
           </a:p>
         </p:txBody>
@@ -4653,8 +4548,8 @@
         </p:nvSpPr>
         <p:spPr>
           <a:xfrm>
-            <a:off x="1646238" y="1351508"/>
-            <a:ext cx="8899522" cy="2677656"/>
+            <a:off x="2451650" y="1351508"/>
+            <a:ext cx="7288698" cy="4524315"/>
           </a:xfrm>
           <a:prstGeom prst="rect">
             <a:avLst/>
@@ -4669,16 +4564,7 @@
           <a:p>
             <a:r>
               <a:rPr lang="fr-FR" sz="2400" noProof="1"/>
-              <a:t>To install RStudio, follow the following link and download either the dmg (macOS) or exe (Windows):</a:t>
-            </a:r>
-          </a:p>
-          <a:p>
-            <a:endParaRPr lang="fr-FR" sz="2400" noProof="1"/>
-          </a:p>
-          <a:p>
-            <a:r>
-              <a:rPr lang="fr-FR" sz="2400" noProof="1"/>
-              <a:t>	</a:t>
+              <a:t>To install R, go to </a:t>
             </a:r>
             <a:r>
               <a:rPr lang="fr-FR" sz="2400" noProof="1">
@@ -4687,44 +4573,77 @@
                     <a:lumMod val="75000"/>
                   </a:schemeClr>
                 </a:solidFill>
-                <a:hlinkClick r:id="rId3"/>
               </a:rPr>
-              <a:t>https://posit.co/download/rstudio-desktop/</a:t>
-            </a:r>
-            <a:endParaRPr lang="fr-FR" sz="2400" noProof="1">
-              <a:solidFill>
-                <a:schemeClr val="accent5">
-                  <a:lumMod val="75000"/>
-                </a:schemeClr>
-              </a:solidFill>
-            </a:endParaRPr>
-          </a:p>
-          <a:p>
-            <a:endParaRPr lang="fr-FR" sz="2400" noProof="1">
-              <a:solidFill>
-                <a:schemeClr val="accent5">
-                  <a:lumMod val="75000"/>
-                </a:schemeClr>
-              </a:solidFill>
-            </a:endParaRPr>
-          </a:p>
-          <a:p>
+              <a:t>https://cran.r-project.org/ </a:t>
+            </a:r>
+            <a:r>
+              <a:rPr lang="fr-FR" sz="2400" noProof="1"/>
+              <a:t>and select your operating system. Then:</a:t>
+            </a:r>
+          </a:p>
+          <a:p>
+            <a:endParaRPr lang="fr-FR" sz="2400" noProof="1"/>
+          </a:p>
+          <a:p>
+            <a:r>
+              <a:rPr lang="fr-FR" sz="2400" noProof="1"/>
+              <a:t>     </a:t>
+            </a:r>
             <a:r>
               <a:rPr lang="fr-FR" sz="2400" b="1" noProof="1"/>
-              <a:t>Note: </a:t>
+              <a:t>macOS</a:t>
             </a:r>
             <a:r>
               <a:rPr lang="fr-FR" sz="2400" noProof="1"/>
-              <a:t>On macOS, you need to drag the RStudio icon into your Applications directory after downloading.</a:t>
-            </a:r>
+              <a:t> =&gt; click on R-4.3.2.pkg and follow instructions</a:t>
+            </a:r>
+          </a:p>
+          <a:p>
+            <a:r>
+              <a:rPr lang="fr-FR" sz="2400" noProof="1"/>
+              <a:t>     </a:t>
+            </a:r>
+            <a:r>
+              <a:rPr lang="fr-FR" sz="2400" b="1" noProof="1"/>
+              <a:t>Windows</a:t>
+            </a:r>
+            <a:r>
+              <a:rPr lang="fr-FR" sz="2400" noProof="1"/>
+              <a:t> =&gt; click on </a:t>
+            </a:r>
+            <a:r>
+              <a:rPr lang="fr-FR" sz="2400" b="1" noProof="1"/>
+              <a:t>base</a:t>
+            </a:r>
+            <a:r>
+              <a:rPr lang="fr-FR" sz="2400" noProof="1"/>
+              <a:t> followed by "Download R"</a:t>
+            </a:r>
+          </a:p>
+          <a:p>
+            <a:endParaRPr lang="fr-FR" sz="2400" noProof="1"/>
+          </a:p>
+          <a:p>
+            <a:r>
+              <a:rPr lang="fr-FR" sz="2400" noProof="1"/>
+              <a:t>For Linux, either install from source or use your favorite package manager. </a:t>
+            </a:r>
+          </a:p>
+          <a:p>
             <a:endParaRPr lang="fr-FR" sz="2400" b="1" noProof="1"/>
+          </a:p>
+          <a:p>
+            <a:r>
+              <a:rPr lang="fr-FR" sz="2400" noProof="1"/>
+              <a:t>You need to install R before anything else, but we will never actually open it directly. So feel free to remove and shortcuts or links that are created during installation.</a:t>
+            </a:r>
           </a:p>
         </p:txBody>
       </p:sp>
     </p:spTree>
     <p:extLst>
       <p:ext uri="{BB962C8B-B14F-4D97-AF65-F5344CB8AC3E}">
-        <p14:creationId xmlns:p14="http://schemas.microsoft.com/office/powerpoint/2010/main" val="2219876028"/>
+        <p14:creationId xmlns:p14="http://schemas.microsoft.com/office/powerpoint/2010/main" val="811046558"/>
       </p:ext>
     </p:extLst>
   </p:cSld>
@@ -4782,7 +4701,7 @@
             <a:pPr algn="ctr"/>
             <a:r>
               <a:rPr lang="fr-FR" sz="4800" b="1" u="sng" noProof="1"/>
-              <a:t>3. Install R Packages</a:t>
+              <a:t>2. Installing RStudio</a:t>
             </a:r>
           </a:p>
         </p:txBody>
@@ -4890,7 +4809,7 @@
         <p:spPr>
           <a:xfrm>
             <a:off x="1646238" y="1351508"/>
-            <a:ext cx="8899522" cy="3416320"/>
+            <a:ext cx="8899522" cy="2677656"/>
           </a:xfrm>
           <a:prstGeom prst="rect">
             <a:avLst/>
@@ -4905,7 +4824,7 @@
           <a:p>
             <a:r>
               <a:rPr lang="fr-FR" sz="2400" noProof="1"/>
-              <a:t>Finally, download and unzip the "materials.zip" file from the class website. We will use this directory throughout the semester, so put it somewhere you will remember it.</a:t>
+              <a:t>To install RStudio, follow the following link and download either the dmg (macOS) or exe (Windows):</a:t>
             </a:r>
           </a:p>
           <a:p>
@@ -4914,24 +4833,53 @@
           <a:p>
             <a:r>
               <a:rPr lang="fr-FR" sz="2400" noProof="1"/>
-              <a:t>Then, open the setup.Rmd file in RStudio, and click the green play buttons (see next slide).</a:t>
-            </a:r>
-          </a:p>
-          <a:p>
-            <a:endParaRPr lang="fr-FR" sz="2400" noProof="1"/>
-          </a:p>
-          <a:p>
+              <a:t>	</a:t>
+            </a:r>
+            <a:r>
+              <a:rPr lang="fr-FR" sz="2400" noProof="1">
+                <a:solidFill>
+                  <a:schemeClr val="accent5">
+                    <a:lumMod val="75000"/>
+                  </a:schemeClr>
+                </a:solidFill>
+                <a:hlinkClick r:id="rId3"/>
+              </a:rPr>
+              <a:t>https://posit.co/download/rstudio-desktop/</a:t>
+            </a:r>
+            <a:endParaRPr lang="fr-FR" sz="2400" noProof="1">
+              <a:solidFill>
+                <a:schemeClr val="accent5">
+                  <a:lumMod val="75000"/>
+                </a:schemeClr>
+              </a:solidFill>
+            </a:endParaRPr>
+          </a:p>
+          <a:p>
+            <a:endParaRPr lang="fr-FR" sz="2400" noProof="1">
+              <a:solidFill>
+                <a:schemeClr val="accent5">
+                  <a:lumMod val="75000"/>
+                </a:schemeClr>
+              </a:solidFill>
+            </a:endParaRPr>
+          </a:p>
+          <a:p>
+            <a:r>
+              <a:rPr lang="fr-FR" sz="2400" b="1" noProof="1"/>
+              <a:t>Note: </a:t>
+            </a:r>
             <a:r>
               <a:rPr lang="fr-FR" sz="2400" noProof="1"/>
-              <a:t>Make sure to put this folder somewhere for the semester. You will need it!</a:t>
-            </a:r>
+              <a:t>On macOS, you need to drag the RStudio icon into your Applications directory after downloading.</a:t>
+            </a:r>
+            <a:endParaRPr lang="fr-FR" sz="2400" b="1" noProof="1"/>
           </a:p>
         </p:txBody>
       </p:sp>
     </p:spTree>
     <p:extLst>
       <p:ext uri="{BB962C8B-B14F-4D97-AF65-F5344CB8AC3E}">
-        <p14:creationId xmlns:p14="http://schemas.microsoft.com/office/powerpoint/2010/main" val="317505054"/>
+        <p14:creationId xmlns:p14="http://schemas.microsoft.com/office/powerpoint/2010/main" val="2219876028"/>
       </p:ext>
     </p:extLst>
   </p:cSld>
@@ -4958,6 +4906,213 @@
           <a:chExt cx="0" cy="0"/>
         </a:xfrm>
       </p:grpSpPr>
+      <p:sp>
+        <p:nvSpPr>
+          <p:cNvPr id="72" name="ZoneTexte 71">
+            <a:extLst>
+              <a:ext uri="{FF2B5EF4-FFF2-40B4-BE49-F238E27FC236}">
+                <a16:creationId xmlns:a16="http://schemas.microsoft.com/office/drawing/2014/main" id="{3890A706-5F2B-E84E-A26A-A267907CC130}"/>
+              </a:ext>
+            </a:extLst>
+          </p:cNvPr>
+          <p:cNvSpPr txBox="1"/>
+          <p:nvPr/>
+        </p:nvSpPr>
+        <p:spPr>
+          <a:xfrm>
+            <a:off x="2412449" y="187151"/>
+            <a:ext cx="7367101" cy="830997"/>
+          </a:xfrm>
+          <a:prstGeom prst="rect">
+            <a:avLst/>
+          </a:prstGeom>
+          <a:noFill/>
+        </p:spPr>
+        <p:txBody>
+          <a:bodyPr wrap="square" rtlCol="0">
+            <a:spAutoFit/>
+          </a:bodyPr>
+          <a:lstStyle/>
+          <a:p>
+            <a:pPr algn="ctr"/>
+            <a:r>
+              <a:rPr lang="fr-FR" sz="4800" b="1" u="sng" noProof="1"/>
+              <a:t>3. Install R Packages</a:t>
+            </a:r>
+          </a:p>
+        </p:txBody>
+      </p:sp>
+      <p:pic>
+        <p:nvPicPr>
+          <p:cNvPr id="1026" name="Picture 2">
+            <a:extLst>
+              <a:ext uri="{FF2B5EF4-FFF2-40B4-BE49-F238E27FC236}">
+                <a16:creationId xmlns:a16="http://schemas.microsoft.com/office/drawing/2014/main" id="{ECEC78D4-0EC8-6148-B750-42F18BFCA56C}"/>
+              </a:ext>
+            </a:extLst>
+          </p:cNvPr>
+          <p:cNvPicPr>
+            <a:picLocks noChangeAspect="1" noChangeArrowheads="1"/>
+          </p:cNvPicPr>
+          <p:nvPr/>
+        </p:nvPicPr>
+        <p:blipFill>
+          <a:blip r:embed="rId2">
+            <a:extLst>
+              <a:ext uri="{28A0092B-C50C-407E-A947-70E740481C1C}">
+                <a14:useLocalDpi xmlns:a14="http://schemas.microsoft.com/office/drawing/2010/main" val="0"/>
+              </a:ext>
+            </a:extLst>
+          </a:blip>
+          <a:srcRect/>
+          <a:stretch>
+            <a:fillRect/>
+          </a:stretch>
+        </p:blipFill>
+        <p:spPr bwMode="auto">
+          <a:xfrm>
+            <a:off x="11267345" y="6475487"/>
+            <a:ext cx="856587" cy="299700"/>
+          </a:xfrm>
+          <a:prstGeom prst="rect">
+            <a:avLst/>
+          </a:prstGeom>
+          <a:noFill/>
+          <a:extLst>
+            <a:ext uri="{909E8E84-426E-40DD-AFC4-6F175D3DCCD1}">
+              <a14:hiddenFill xmlns:a14="http://schemas.microsoft.com/office/drawing/2010/main">
+                <a:solidFill>
+                  <a:srgbClr val="FFFFFF"/>
+                </a:solidFill>
+              </a14:hiddenFill>
+            </a:ext>
+          </a:extLst>
+        </p:spPr>
+      </p:pic>
+      <p:sp>
+        <p:nvSpPr>
+          <p:cNvPr id="76" name="ZoneTexte 75">
+            <a:extLst>
+              <a:ext uri="{FF2B5EF4-FFF2-40B4-BE49-F238E27FC236}">
+                <a16:creationId xmlns:a16="http://schemas.microsoft.com/office/drawing/2014/main" id="{827C32F7-EAB8-F143-B412-CBD04F7209BF}"/>
+              </a:ext>
+            </a:extLst>
+          </p:cNvPr>
+          <p:cNvSpPr txBox="1"/>
+          <p:nvPr/>
+        </p:nvSpPr>
+        <p:spPr>
+          <a:xfrm>
+            <a:off x="68068" y="6475487"/>
+            <a:ext cx="4030964" cy="338554"/>
+          </a:xfrm>
+          <a:prstGeom prst="rect">
+            <a:avLst/>
+          </a:prstGeom>
+          <a:noFill/>
+        </p:spPr>
+        <p:txBody>
+          <a:bodyPr wrap="square" rtlCol="0">
+            <a:spAutoFit/>
+          </a:bodyPr>
+          <a:lstStyle/>
+          <a:p>
+            <a:r>
+              <a:rPr lang="fr-FR" sz="1600" noProof="1">
+                <a:solidFill>
+                  <a:schemeClr val="bg1">
+                    <a:lumMod val="65000"/>
+                  </a:schemeClr>
+                </a:solidFill>
+              </a:rPr>
+              <a:t>T. ARNOLD</a:t>
+            </a:r>
+          </a:p>
+        </p:txBody>
+      </p:sp>
+      <p:sp>
+        <p:nvSpPr>
+          <p:cNvPr id="35" name="ZoneTexte 34">
+            <a:extLst>
+              <a:ext uri="{FF2B5EF4-FFF2-40B4-BE49-F238E27FC236}">
+                <a16:creationId xmlns:a16="http://schemas.microsoft.com/office/drawing/2014/main" id="{083121EA-22BA-0B48-B415-49DA1E741FA9}"/>
+              </a:ext>
+            </a:extLst>
+          </p:cNvPr>
+          <p:cNvSpPr txBox="1"/>
+          <p:nvPr/>
+        </p:nvSpPr>
+        <p:spPr>
+          <a:xfrm>
+            <a:off x="1646238" y="1351508"/>
+            <a:ext cx="8899522" cy="3416320"/>
+          </a:xfrm>
+          <a:prstGeom prst="rect">
+            <a:avLst/>
+          </a:prstGeom>
+          <a:noFill/>
+        </p:spPr>
+        <p:txBody>
+          <a:bodyPr wrap="square" rtlCol="0">
+            <a:spAutoFit/>
+          </a:bodyPr>
+          <a:lstStyle/>
+          <a:p>
+            <a:r>
+              <a:rPr lang="fr-FR" sz="2400" noProof="1"/>
+              <a:t>Finally, download and unzip the "materials.zip" file from the class website. We will use this directory throughout the semester, so put it somewhere you will remember it.</a:t>
+            </a:r>
+          </a:p>
+          <a:p>
+            <a:endParaRPr lang="fr-FR" sz="2400" noProof="1"/>
+          </a:p>
+          <a:p>
+            <a:r>
+              <a:rPr lang="fr-FR" sz="2400" noProof="1"/>
+              <a:t>Then, open the setup.Rmd file in RStudio, and click the green play buttons (see next slide).</a:t>
+            </a:r>
+          </a:p>
+          <a:p>
+            <a:endParaRPr lang="fr-FR" sz="2400" noProof="1"/>
+          </a:p>
+          <a:p>
+            <a:r>
+              <a:rPr lang="fr-FR" sz="2400" noProof="1"/>
+              <a:t>Make sure to put this folder somewhere for the semester. You will need it!</a:t>
+            </a:r>
+          </a:p>
+        </p:txBody>
+      </p:sp>
+    </p:spTree>
+    <p:extLst>
+      <p:ext uri="{BB962C8B-B14F-4D97-AF65-F5344CB8AC3E}">
+        <p14:creationId xmlns:p14="http://schemas.microsoft.com/office/powerpoint/2010/main" val="317505054"/>
+      </p:ext>
+    </p:extLst>
+  </p:cSld>
+  <p:clrMapOvr>
+    <a:masterClrMapping/>
+  </p:clrMapOvr>
+</p:sld>
+</file>
+
+<file path=ppt/slides/slide17.xml><?xml version="1.0" encoding="utf-8"?>
+<p:sld xmlns:a="http://schemas.openxmlformats.org/drawingml/2006/main" xmlns:r="http://schemas.openxmlformats.org/officeDocument/2006/relationships" xmlns:p="http://schemas.openxmlformats.org/presentationml/2006/main">
+  <p:cSld>
+    <p:spTree>
+      <p:nvGrpSpPr>
+        <p:cNvPr id="1" name=""/>
+        <p:cNvGrpSpPr/>
+        <p:nvPr/>
+      </p:nvGrpSpPr>
+      <p:grpSpPr>
+        <a:xfrm>
+          <a:off x="0" y="0"/>
+          <a:ext cx="0" cy="0"/>
+          <a:chOff x="0" y="0"/>
+          <a:chExt cx="0" cy="0"/>
+        </a:xfrm>
+      </p:grpSpPr>
       <p:pic>
         <p:nvPicPr>
           <p:cNvPr id="4" name="Image 3" descr="Une image contenant capture d’écran, texte, logiciel&#10;&#10;Description générée automatiquement">
@@ -5221,7 +5376,7 @@
 </p:sld>
 </file>
 
-<file path=ppt/slides/slide17.xml><?xml version="1.0" encoding="utf-8"?>
+<file path=ppt/slides/slide18.xml><?xml version="1.0" encoding="utf-8"?>
 <p:sld xmlns:a="http://schemas.openxmlformats.org/drawingml/2006/main" xmlns:r="http://schemas.openxmlformats.org/officeDocument/2006/relationships" xmlns:p="http://schemas.openxmlformats.org/presentationml/2006/main">
   <p:cSld>
     <p:spTree>
